--- a/Trends in Child Stunting-1.pptx
+++ b/Trends in Child Stunting-1.pptx
@@ -5,7 +5,7 @@
     <p:sldMasterId id="2147483648" r:id="rId1"/>
   </p:sldMasterIdLst>
   <p:notesMasterIdLst>
-    <p:notesMasterId r:id="rId17"/>
+    <p:notesMasterId r:id="rId16"/>
   </p:notesMasterIdLst>
   <p:sldIdLst>
     <p:sldId id="256" r:id="rId2"/>
@@ -19,25 +19,24 @@
     <p:sldId id="267" r:id="rId10"/>
     <p:sldId id="269" r:id="rId11"/>
     <p:sldId id="283" r:id="rId12"/>
-    <p:sldId id="284" r:id="rId13"/>
-    <p:sldId id="286" r:id="rId14"/>
-    <p:sldId id="287" r:id="rId15"/>
-    <p:sldId id="288" r:id="rId16"/>
+    <p:sldId id="286" r:id="rId13"/>
+    <p:sldId id="287" r:id="rId14"/>
+    <p:sldId id="288" r:id="rId15"/>
   </p:sldIdLst>
   <p:sldSz cx="18288000" cy="10287000"/>
   <p:notesSz cx="6858000" cy="9144000"/>
   <p:embeddedFontLst>
     <p:embeddedFont>
       <p:font typeface="Calibri" pitchFamily="34" charset="0"/>
-      <p:regular r:id="rId18"/>
-      <p:bold r:id="rId19"/>
-      <p:italic r:id="rId20"/>
-      <p:boldItalic r:id="rId21"/>
+      <p:regular r:id="rId17"/>
+      <p:bold r:id="rId18"/>
+      <p:italic r:id="rId19"/>
+      <p:boldItalic r:id="rId20"/>
     </p:embeddedFont>
     <p:embeddedFont>
       <p:font typeface="Elephant" pitchFamily="18" charset="0"/>
-      <p:regular r:id="rId22"/>
-      <p:italic r:id="rId23"/>
+      <p:regular r:id="rId21"/>
+      <p:italic r:id="rId22"/>
     </p:embeddedFont>
   </p:embeddedFontLst>
   <p:defaultTextStyle>
@@ -137,7 +136,7 @@
   </p:defaultTextStyle>
   <p:extLst>
     <p:ext uri="{EFAFB233-063F-42B5-8137-9DF3F51BA10A}">
-      <p15:sldGuideLst xmlns:p15="http://schemas.microsoft.com/office/powerpoint/2012/main" xmlns="">
+      <p15:sldGuideLst xmlns="" xmlns:p15="http://schemas.microsoft.com/office/powerpoint/2012/main">
         <p15:guide id="1" orient="horz" pos="2160">
           <p15:clr>
             <a:srgbClr val="A4A3A4"/>
@@ -237,7 +236,7 @@
             <a:fld id="{1DD400F8-4478-4C6A-9680-5C3B6411AAB9}" type="datetimeFigureOut">
               <a:rPr lang="en-AE" smtClean="0"/>
               <a:pPr/>
-              <a:t>25/04/2024</a:t>
+              <a:t>29/04/2024</a:t>
             </a:fld>
             <a:endParaRPr lang="en-AE"/>
           </a:p>
@@ -406,7 +405,7 @@
     </p:spTree>
     <p:extLst>
       <p:ext uri="{BB962C8B-B14F-4D97-AF65-F5344CB8AC3E}">
-        <p14:creationId xmlns:p14="http://schemas.microsoft.com/office/powerpoint/2010/main" xmlns="" val="2629908219"/>
+        <p14:creationId xmlns="" xmlns:p14="http://schemas.microsoft.com/office/powerpoint/2010/main" val="2629908219"/>
       </p:ext>
     </p:extLst>
   </p:cSld>
@@ -686,7 +685,7 @@
             <a:fld id="{3001A114-EC09-4239-B9A6-E672BFF52020}" type="datetime1">
               <a:rPr lang="en-US" smtClean="0"/>
               <a:pPr/>
-              <a:t>4/25/2024</a:t>
+              <a:t>4/29/2024</a:t>
             </a:fld>
             <a:endParaRPr lang="en-US"/>
           </a:p>
@@ -851,7 +850,7 @@
             <a:fld id="{079F6F07-FFCC-4D38-B167-EB30D03BB197}" type="datetime1">
               <a:rPr lang="en-US" smtClean="0"/>
               <a:pPr/>
-              <a:t>4/25/2024</a:t>
+              <a:t>4/29/2024</a:t>
             </a:fld>
             <a:endParaRPr lang="en-US"/>
           </a:p>
@@ -1026,7 +1025,7 @@
             <a:fld id="{C0E799BC-FD09-43D3-8462-D6C7D1BF9DA4}" type="datetime1">
               <a:rPr lang="en-US" smtClean="0"/>
               <a:pPr/>
-              <a:t>4/25/2024</a:t>
+              <a:t>4/29/2024</a:t>
             </a:fld>
             <a:endParaRPr lang="en-US"/>
           </a:p>
@@ -1191,7 +1190,7 @@
             <a:fld id="{B0E74CAD-D416-4F3D-88AE-E7E7534A99B5}" type="datetime1">
               <a:rPr lang="en-US" smtClean="0"/>
               <a:pPr/>
-              <a:t>4/25/2024</a:t>
+              <a:t>4/29/2024</a:t>
             </a:fld>
             <a:endParaRPr lang="en-US"/>
           </a:p>
@@ -1433,7 +1432,7 @@
             <a:fld id="{57568C71-6095-4D72-A424-70117A1B58B3}" type="datetime1">
               <a:rPr lang="en-US" smtClean="0"/>
               <a:pPr/>
-              <a:t>4/25/2024</a:t>
+              <a:t>4/29/2024</a:t>
             </a:fld>
             <a:endParaRPr lang="en-US"/>
           </a:p>
@@ -1715,7 +1714,7 @@
             <a:fld id="{2C52F368-7CF6-4CE0-A794-4721C81E1693}" type="datetime1">
               <a:rPr lang="en-US" smtClean="0"/>
               <a:pPr/>
-              <a:t>4/25/2024</a:t>
+              <a:t>4/29/2024</a:t>
             </a:fld>
             <a:endParaRPr lang="en-US"/>
           </a:p>
@@ -2131,7 +2130,7 @@
             <a:fld id="{1ED11252-196C-4566-869C-649C7A225C5D}" type="datetime1">
               <a:rPr lang="en-US" smtClean="0"/>
               <a:pPr/>
-              <a:t>4/25/2024</a:t>
+              <a:t>4/29/2024</a:t>
             </a:fld>
             <a:endParaRPr lang="en-US"/>
           </a:p>
@@ -2245,7 +2244,7 @@
             <a:fld id="{47682214-86A9-4C65-A665-86265A3BB346}" type="datetime1">
               <a:rPr lang="en-US" smtClean="0"/>
               <a:pPr/>
-              <a:t>4/25/2024</a:t>
+              <a:t>4/29/2024</a:t>
             </a:fld>
             <a:endParaRPr lang="en-US"/>
           </a:p>
@@ -2337,7 +2336,7 @@
             <a:fld id="{452AB3D3-774E-48DC-BF86-B31D56112D53}" type="datetime1">
               <a:rPr lang="en-US" smtClean="0"/>
               <a:pPr/>
-              <a:t>4/25/2024</a:t>
+              <a:t>4/29/2024</a:t>
             </a:fld>
             <a:endParaRPr lang="en-US"/>
           </a:p>
@@ -2609,7 +2608,7 @@
             <a:fld id="{49E1B48B-E4B7-4E9B-B156-860406753D8C}" type="datetime1">
               <a:rPr lang="en-US" smtClean="0"/>
               <a:pPr/>
-              <a:t>4/25/2024</a:t>
+              <a:t>4/29/2024</a:t>
             </a:fld>
             <a:endParaRPr lang="en-US"/>
           </a:p>
@@ -2858,7 +2857,7 @@
             <a:fld id="{CF1236F8-BCAF-4D38-A320-707F32B62616}" type="datetime1">
               <a:rPr lang="en-US" smtClean="0"/>
               <a:pPr/>
-              <a:t>4/25/2024</a:t>
+              <a:t>4/29/2024</a:t>
             </a:fld>
             <a:endParaRPr lang="en-US"/>
           </a:p>
@@ -3069,7 +3068,7 @@
             <a:fld id="{857B5AFC-E09A-420D-9007-01E45F482398}" type="datetime1">
               <a:rPr lang="en-US" smtClean="0"/>
               <a:pPr/>
-              <a:t>4/25/2024</a:t>
+              <a:t>4/29/2024</a:t>
             </a:fld>
             <a:endParaRPr lang="en-US"/>
           </a:p>
@@ -3747,7 +3746,7 @@
             <a:blip r:embed="rId2">
               <a:extLst>
                 <a:ext uri="{96DAC541-7B7A-43D3-8B79-37D633B846F1}">
-                  <asvg:svgBlip xmlns:asvg="http://schemas.microsoft.com/office/drawing/2016/SVG/main" xmlns="" r:embed="rId3"/>
+                  <asvg:svgBlip xmlns="" xmlns:asvg="http://schemas.microsoft.com/office/drawing/2016/SVG/main" r:embed="rId3"/>
                 </a:ext>
               </a:extLst>
             </a:blip>
@@ -3762,7 +3761,7 @@
           <p:cNvPr id="22" name="Google Shape;90;p1">
             <a:extLst>
               <a:ext uri="{FF2B5EF4-FFF2-40B4-BE49-F238E27FC236}">
-                <a16:creationId xmlns:a16="http://schemas.microsoft.com/office/drawing/2014/main" xmlns="" id="{EB08C8C5-512B-16BC-7921-3E97AEA66533}"/>
+                <a16:creationId xmlns="" xmlns:a16="http://schemas.microsoft.com/office/drawing/2014/main" id="{EB08C8C5-512B-16BC-7921-3E97AEA66533}"/>
               </a:ext>
             </a:extLst>
           </p:cNvPr>
@@ -3772,7 +3771,7 @@
         <p:spPr>
           <a:xfrm>
             <a:off x="228600" y="3989897"/>
-            <a:ext cx="21522266" cy="2436564"/>
+            <a:ext cx="21522266" cy="4873129"/>
           </a:xfrm>
           <a:prstGeom prst="rect">
             <a:avLst/>
@@ -3819,8 +3818,58 @@
                 </a:solidFill>
                 <a:latin typeface="Elephant" panose="02020904090505020303" pitchFamily="18" charset="0"/>
               </a:rPr>
-              <a:t> NFHS-4 Data</a:t>
-            </a:r>
+              <a:t> NFHS-4 </a:t>
+            </a:r>
+            <a:r>
+              <a:rPr lang="en-US" sz="5400" dirty="0" smtClean="0">
+                <a:solidFill>
+                  <a:srgbClr val="000000"/>
+                </a:solidFill>
+                <a:latin typeface="Elephant" panose="02020904090505020303" pitchFamily="18" charset="0"/>
+              </a:rPr>
+              <a:t>Data</a:t>
+            </a:r>
+          </a:p>
+          <a:p>
+            <a:pPr algn="ctr">
+              <a:lnSpc>
+                <a:spcPts val="9519"/>
+              </a:lnSpc>
+              <a:spcBef>
+                <a:spcPct val="0"/>
+              </a:spcBef>
+            </a:pPr>
+            <a:endParaRPr lang="en-US" sz="5400" dirty="0" smtClean="0">
+              <a:solidFill>
+                <a:srgbClr val="000000"/>
+              </a:solidFill>
+              <a:latin typeface="Elephant" panose="02020904090505020303" pitchFamily="18" charset="0"/>
+            </a:endParaRPr>
+          </a:p>
+          <a:p>
+            <a:pPr algn="ctr">
+              <a:lnSpc>
+                <a:spcPts val="9519"/>
+              </a:lnSpc>
+              <a:spcBef>
+                <a:spcPct val="0"/>
+              </a:spcBef>
+            </a:pPr>
+            <a:r>
+              <a:rPr lang="en-US" sz="3200" dirty="0" smtClean="0">
+                <a:solidFill>
+                  <a:srgbClr val="000000"/>
+                </a:solidFill>
+                <a:latin typeface="Elephant" panose="02020904090505020303" pitchFamily="18" charset="0"/>
+              </a:rPr>
+              <a:t>                                                                                   S.NITHISH KUMAR</a:t>
+            </a:r>
+            <a:endParaRPr lang="en-US" sz="3200" dirty="0">
+              <a:solidFill>
+                <a:srgbClr val="000000"/>
+              </a:solidFill>
+              <a:latin typeface="Elephant" panose="02020904090505020303" pitchFamily="18" charset="0"/>
+            </a:endParaRPr>
           </a:p>
         </p:txBody>
       </p:sp>
@@ -3829,7 +3878,7 @@
           <p:cNvPr id="15" name="Slide Number Placeholder 14">
             <a:extLst>
               <a:ext uri="{FF2B5EF4-FFF2-40B4-BE49-F238E27FC236}">
-                <a16:creationId xmlns:a16="http://schemas.microsoft.com/office/drawing/2014/main" xmlns="" id="{CE87CAFF-47AD-FA11-C637-8C843C0781C4}"/>
+                <a16:creationId xmlns="" xmlns:a16="http://schemas.microsoft.com/office/drawing/2014/main" id="{CE87CAFF-47AD-FA11-C637-8C843C0781C4}"/>
               </a:ext>
             </a:extLst>
           </p:cNvPr>
@@ -3889,7 +3938,7 @@
           <p:cNvPr id="7" name="Table 7">
             <a:extLst>
               <a:ext uri="{FF2B5EF4-FFF2-40B4-BE49-F238E27FC236}">
-                <a16:creationId xmlns:a16="http://schemas.microsoft.com/office/drawing/2014/main" xmlns="" id="{73D18E3A-C949-0D81-9BC5-A268C73A004B}"/>
+                <a16:creationId xmlns="" xmlns:a16="http://schemas.microsoft.com/office/drawing/2014/main" id="{73D18E3A-C949-0D81-9BC5-A268C73A004B}"/>
               </a:ext>
             </a:extLst>
           </p:cNvPr>
@@ -3899,7 +3948,7 @@
           <p:nvPr>
             <p:extLst>
               <p:ext uri="{D42A27DB-BD31-4B8C-83A1-F6EECF244321}">
-                <p14:modId xmlns:p14="http://schemas.microsoft.com/office/powerpoint/2010/main" xmlns="" val="4084831307"/>
+                <p14:modId xmlns="" xmlns:p14="http://schemas.microsoft.com/office/powerpoint/2010/main" val="4084831307"/>
               </p:ext>
             </p:extLst>
           </p:nvPr>
@@ -3918,21 +3967,21 @@
                 <a:gridCol w="4140200">
                   <a:extLst>
                     <a:ext uri="{9D8B030D-6E8A-4147-A177-3AD203B41FA5}">
-                      <a16:colId xmlns:a16="http://schemas.microsoft.com/office/drawing/2014/main" xmlns="" val="3075859568"/>
+                      <a16:colId xmlns="" xmlns:a16="http://schemas.microsoft.com/office/drawing/2014/main" val="3075859568"/>
                     </a:ext>
                   </a:extLst>
                 </a:gridCol>
                 <a:gridCol w="4140200">
                   <a:extLst>
                     <a:ext uri="{9D8B030D-6E8A-4147-A177-3AD203B41FA5}">
-                      <a16:colId xmlns:a16="http://schemas.microsoft.com/office/drawing/2014/main" xmlns="" val="416282924"/>
+                      <a16:colId xmlns="" xmlns:a16="http://schemas.microsoft.com/office/drawing/2014/main" val="416282924"/>
                     </a:ext>
                   </a:extLst>
                 </a:gridCol>
                 <a:gridCol w="4140200">
                   <a:extLst>
                     <a:ext uri="{9D8B030D-6E8A-4147-A177-3AD203B41FA5}">
-                      <a16:colId xmlns:a16="http://schemas.microsoft.com/office/drawing/2014/main" xmlns="" val="856876700"/>
+                      <a16:colId xmlns="" xmlns:a16="http://schemas.microsoft.com/office/drawing/2014/main" val="856876700"/>
                     </a:ext>
                   </a:extLst>
                 </a:gridCol>
@@ -4000,7 +4049,7 @@
                 </a:tc>
                 <a:extLst>
                   <a:ext uri="{0D108BD9-81ED-4DB2-BD59-A6C34878D82A}">
-                    <a16:rowId xmlns:a16="http://schemas.microsoft.com/office/drawing/2014/main" xmlns="" val="1713513323"/>
+                    <a16:rowId xmlns="" xmlns:a16="http://schemas.microsoft.com/office/drawing/2014/main" val="1713513323"/>
                   </a:ext>
                 </a:extLst>
               </a:tr>
@@ -4067,7 +4116,7 @@
                 </a:tc>
                 <a:extLst>
                   <a:ext uri="{0D108BD9-81ED-4DB2-BD59-A6C34878D82A}">
-                    <a16:rowId xmlns:a16="http://schemas.microsoft.com/office/drawing/2014/main" xmlns="" val="1477262964"/>
+                    <a16:rowId xmlns="" xmlns:a16="http://schemas.microsoft.com/office/drawing/2014/main" val="1477262964"/>
                   </a:ext>
                 </a:extLst>
               </a:tr>
@@ -4157,7 +4206,7 @@
                 </a:tc>
                 <a:extLst>
                   <a:ext uri="{0D108BD9-81ED-4DB2-BD59-A6C34878D82A}">
-                    <a16:rowId xmlns:a16="http://schemas.microsoft.com/office/drawing/2014/main" xmlns="" val="3360762503"/>
+                    <a16:rowId xmlns="" xmlns:a16="http://schemas.microsoft.com/office/drawing/2014/main" val="3360762503"/>
                   </a:ext>
                 </a:extLst>
               </a:tr>
@@ -4247,7 +4296,7 @@
                 </a:tc>
                 <a:extLst>
                   <a:ext uri="{0D108BD9-81ED-4DB2-BD59-A6C34878D82A}">
-                    <a16:rowId xmlns:a16="http://schemas.microsoft.com/office/drawing/2014/main" xmlns="" val="1136251517"/>
+                    <a16:rowId xmlns="" xmlns:a16="http://schemas.microsoft.com/office/drawing/2014/main" val="1136251517"/>
                   </a:ext>
                 </a:extLst>
               </a:tr>
@@ -4383,7 +4432,7 @@
                 </a:tc>
                 <a:extLst>
                   <a:ext uri="{0D108BD9-81ED-4DB2-BD59-A6C34878D82A}">
-                    <a16:rowId xmlns:a16="http://schemas.microsoft.com/office/drawing/2014/main" xmlns="" val="3235777950"/>
+                    <a16:rowId xmlns="" xmlns:a16="http://schemas.microsoft.com/office/drawing/2014/main" val="3235777950"/>
                   </a:ext>
                 </a:extLst>
               </a:tr>
@@ -4499,7 +4548,7 @@
                 </a:tc>
                 <a:extLst>
                   <a:ext uri="{0D108BD9-81ED-4DB2-BD59-A6C34878D82A}">
-                    <a16:rowId xmlns:a16="http://schemas.microsoft.com/office/drawing/2014/main" xmlns="" val="72541518"/>
+                    <a16:rowId xmlns="" xmlns:a16="http://schemas.microsoft.com/office/drawing/2014/main" val="72541518"/>
                   </a:ext>
                 </a:extLst>
               </a:tr>
@@ -4589,7 +4638,7 @@
                 </a:tc>
                 <a:extLst>
                   <a:ext uri="{0D108BD9-81ED-4DB2-BD59-A6C34878D82A}">
-                    <a16:rowId xmlns:a16="http://schemas.microsoft.com/office/drawing/2014/main" xmlns="" val="472760982"/>
+                    <a16:rowId xmlns="" xmlns:a16="http://schemas.microsoft.com/office/drawing/2014/main" val="472760982"/>
                   </a:ext>
                 </a:extLst>
               </a:tr>
@@ -4679,7 +4728,7 @@
                 </a:tc>
                 <a:extLst>
                   <a:ext uri="{0D108BD9-81ED-4DB2-BD59-A6C34878D82A}">
-                    <a16:rowId xmlns:a16="http://schemas.microsoft.com/office/drawing/2014/main" xmlns="" val="2292001419"/>
+                    <a16:rowId xmlns="" xmlns:a16="http://schemas.microsoft.com/office/drawing/2014/main" val="2292001419"/>
                   </a:ext>
                 </a:extLst>
               </a:tr>
@@ -4692,7 +4741,7 @@
           <p:cNvPr id="8" name="TextBox 2">
             <a:extLst>
               <a:ext uri="{FF2B5EF4-FFF2-40B4-BE49-F238E27FC236}">
-                <a16:creationId xmlns:a16="http://schemas.microsoft.com/office/drawing/2014/main" xmlns="" id="{E7CCBF36-02E7-FFF0-5271-81272885D230}"/>
+                <a16:creationId xmlns="" xmlns:a16="http://schemas.microsoft.com/office/drawing/2014/main" id="{E7CCBF36-02E7-FFF0-5271-81272885D230}"/>
               </a:ext>
             </a:extLst>
           </p:cNvPr>
@@ -4743,7 +4792,7 @@
           <p:cNvPr id="4" name="Slide Number Placeholder 3">
             <a:extLst>
               <a:ext uri="{FF2B5EF4-FFF2-40B4-BE49-F238E27FC236}">
-                <a16:creationId xmlns:a16="http://schemas.microsoft.com/office/drawing/2014/main" xmlns="" id="{D404A1B3-4DD7-B9ED-E4A1-32E8B4D155FF}"/>
+                <a16:creationId xmlns="" xmlns:a16="http://schemas.microsoft.com/office/drawing/2014/main" id="{D404A1B3-4DD7-B9ED-E4A1-32E8B4D155FF}"/>
               </a:ext>
             </a:extLst>
           </p:cNvPr>
@@ -4803,7 +4852,7 @@
           <p:cNvPr id="7" name="Table 7">
             <a:extLst>
               <a:ext uri="{FF2B5EF4-FFF2-40B4-BE49-F238E27FC236}">
-                <a16:creationId xmlns:a16="http://schemas.microsoft.com/office/drawing/2014/main" xmlns="" id="{73D18E3A-C949-0D81-9BC5-A268C73A004B}"/>
+                <a16:creationId xmlns="" xmlns:a16="http://schemas.microsoft.com/office/drawing/2014/main" id="{73D18E3A-C949-0D81-9BC5-A268C73A004B}"/>
               </a:ext>
             </a:extLst>
           </p:cNvPr>
@@ -4813,7 +4862,7 @@
           <p:nvPr>
             <p:extLst>
               <p:ext uri="{D42A27DB-BD31-4B8C-83A1-F6EECF244321}">
-                <p14:modId xmlns:p14="http://schemas.microsoft.com/office/powerpoint/2010/main" xmlns="" val="80303800"/>
+                <p14:modId xmlns="" xmlns:p14="http://schemas.microsoft.com/office/powerpoint/2010/main" val="80303800"/>
               </p:ext>
             </p:extLst>
           </p:nvPr>
@@ -4832,21 +4881,21 @@
                 <a:gridCol w="4140200">
                   <a:extLst>
                     <a:ext uri="{9D8B030D-6E8A-4147-A177-3AD203B41FA5}">
-                      <a16:colId xmlns:a16="http://schemas.microsoft.com/office/drawing/2014/main" xmlns="" val="3075859568"/>
+                      <a16:colId xmlns="" xmlns:a16="http://schemas.microsoft.com/office/drawing/2014/main" val="3075859568"/>
                     </a:ext>
                   </a:extLst>
                 </a:gridCol>
                 <a:gridCol w="4140200">
                   <a:extLst>
                     <a:ext uri="{9D8B030D-6E8A-4147-A177-3AD203B41FA5}">
-                      <a16:colId xmlns:a16="http://schemas.microsoft.com/office/drawing/2014/main" xmlns="" val="416282924"/>
+                      <a16:colId xmlns="" xmlns:a16="http://schemas.microsoft.com/office/drawing/2014/main" val="416282924"/>
                     </a:ext>
                   </a:extLst>
                 </a:gridCol>
                 <a:gridCol w="4140200">
                   <a:extLst>
                     <a:ext uri="{9D8B030D-6E8A-4147-A177-3AD203B41FA5}">
-                      <a16:colId xmlns:a16="http://schemas.microsoft.com/office/drawing/2014/main" xmlns="" val="856876700"/>
+                      <a16:colId xmlns="" xmlns:a16="http://schemas.microsoft.com/office/drawing/2014/main" val="856876700"/>
                     </a:ext>
                   </a:extLst>
                 </a:gridCol>
@@ -4914,7 +4963,7 @@
                 </a:tc>
                 <a:extLst>
                   <a:ext uri="{0D108BD9-81ED-4DB2-BD59-A6C34878D82A}">
-                    <a16:rowId xmlns:a16="http://schemas.microsoft.com/office/drawing/2014/main" xmlns="" val="1713513323"/>
+                    <a16:rowId xmlns="" xmlns:a16="http://schemas.microsoft.com/office/drawing/2014/main" val="1713513323"/>
                   </a:ext>
                 </a:extLst>
               </a:tr>
@@ -5004,7 +5053,7 @@
                 </a:tc>
                 <a:extLst>
                   <a:ext uri="{0D108BD9-81ED-4DB2-BD59-A6C34878D82A}">
-                    <a16:rowId xmlns:a16="http://schemas.microsoft.com/office/drawing/2014/main" xmlns="" val="1477262964"/>
+                    <a16:rowId xmlns="" xmlns:a16="http://schemas.microsoft.com/office/drawing/2014/main" val="1477262964"/>
                   </a:ext>
                 </a:extLst>
               </a:tr>
@@ -5094,7 +5143,7 @@
                 </a:tc>
                 <a:extLst>
                   <a:ext uri="{0D108BD9-81ED-4DB2-BD59-A6C34878D82A}">
-                    <a16:rowId xmlns:a16="http://schemas.microsoft.com/office/drawing/2014/main" xmlns="" val="3360762503"/>
+                    <a16:rowId xmlns="" xmlns:a16="http://schemas.microsoft.com/office/drawing/2014/main" val="3360762503"/>
                   </a:ext>
                 </a:extLst>
               </a:tr>
@@ -5210,7 +5259,7 @@
                 </a:tc>
                 <a:extLst>
                   <a:ext uri="{0D108BD9-81ED-4DB2-BD59-A6C34878D82A}">
-                    <a16:rowId xmlns:a16="http://schemas.microsoft.com/office/drawing/2014/main" xmlns="" val="1136251517"/>
+                    <a16:rowId xmlns="" xmlns:a16="http://schemas.microsoft.com/office/drawing/2014/main" val="1136251517"/>
                   </a:ext>
                 </a:extLst>
               </a:tr>
@@ -5343,7 +5392,7 @@
                 </a:tc>
                 <a:extLst>
                   <a:ext uri="{0D108BD9-81ED-4DB2-BD59-A6C34878D82A}">
-                    <a16:rowId xmlns:a16="http://schemas.microsoft.com/office/drawing/2014/main" xmlns="" val="3235777950"/>
+                    <a16:rowId xmlns="" xmlns:a16="http://schemas.microsoft.com/office/drawing/2014/main" val="3235777950"/>
                   </a:ext>
                 </a:extLst>
               </a:tr>
@@ -5453,7 +5502,7 @@
                 </a:tc>
                 <a:extLst>
                   <a:ext uri="{0D108BD9-81ED-4DB2-BD59-A6C34878D82A}">
-                    <a16:rowId xmlns:a16="http://schemas.microsoft.com/office/drawing/2014/main" xmlns="" val="72541518"/>
+                    <a16:rowId xmlns="" xmlns:a16="http://schemas.microsoft.com/office/drawing/2014/main" val="72541518"/>
                   </a:ext>
                 </a:extLst>
               </a:tr>
@@ -5543,7 +5592,7 @@
                 </a:tc>
                 <a:extLst>
                   <a:ext uri="{0D108BD9-81ED-4DB2-BD59-A6C34878D82A}">
-                    <a16:rowId xmlns:a16="http://schemas.microsoft.com/office/drawing/2014/main" xmlns="" val="472760982"/>
+                    <a16:rowId xmlns="" xmlns:a16="http://schemas.microsoft.com/office/drawing/2014/main" val="472760982"/>
                   </a:ext>
                 </a:extLst>
               </a:tr>
@@ -5653,7 +5702,7 @@
                 </a:tc>
                 <a:extLst>
                   <a:ext uri="{0D108BD9-81ED-4DB2-BD59-A6C34878D82A}">
-                    <a16:rowId xmlns:a16="http://schemas.microsoft.com/office/drawing/2014/main" xmlns="" val="2292001419"/>
+                    <a16:rowId xmlns="" xmlns:a16="http://schemas.microsoft.com/office/drawing/2014/main" val="2292001419"/>
                   </a:ext>
                 </a:extLst>
               </a:tr>
@@ -5666,7 +5715,7 @@
           <p:cNvPr id="4" name="Slide Number Placeholder 3">
             <a:extLst>
               <a:ext uri="{FF2B5EF4-FFF2-40B4-BE49-F238E27FC236}">
-                <a16:creationId xmlns:a16="http://schemas.microsoft.com/office/drawing/2014/main" xmlns="" id="{A5C7FBD2-1B9C-8F45-C30D-0C8C8685EDBB}"/>
+                <a16:creationId xmlns="" xmlns:a16="http://schemas.microsoft.com/office/drawing/2014/main" id="{A5C7FBD2-1B9C-8F45-C30D-0C8C8685EDBB}"/>
               </a:ext>
             </a:extLst>
           </p:cNvPr>
@@ -5699,7 +5748,7 @@
     </p:spTree>
     <p:extLst>
       <p:ext uri="{BB962C8B-B14F-4D97-AF65-F5344CB8AC3E}">
-        <p14:creationId xmlns:p14="http://schemas.microsoft.com/office/powerpoint/2010/main" xmlns="" val="1641741603"/>
+        <p14:creationId xmlns="" xmlns:p14="http://schemas.microsoft.com/office/powerpoint/2010/main" val="1641741603"/>
       </p:ext>
     </p:extLst>
   </p:cSld>
@@ -5731,7 +5780,7 @@
           <p:cNvPr id="2" name="TextBox 2">
             <a:extLst>
               <a:ext uri="{FF2B5EF4-FFF2-40B4-BE49-F238E27FC236}">
-                <a16:creationId xmlns:a16="http://schemas.microsoft.com/office/drawing/2014/main" xmlns="" id="{416DD4D9-D667-AAB1-C487-F1AD0021AFF1}"/>
+                <a16:creationId xmlns="" xmlns:a16="http://schemas.microsoft.com/office/drawing/2014/main" id="{75012263-2741-1BF5-D06F-8BE6BC27B2C1}"/>
               </a:ext>
             </a:extLst>
           </p:cNvPr>
@@ -5766,7 +5815,7 @@
                 <a:effectLst/>
                 <a:latin typeface="Elephant" panose="02020904090505020303" pitchFamily="18" charset="0"/>
               </a:rPr>
-              <a:t>CONTRIBUTION</a:t>
+              <a:t>REFERENCES</a:t>
             </a:r>
             <a:endParaRPr lang="en-US" sz="7200" dirty="0">
               <a:solidFill>
@@ -5777,250 +5826,12 @@
           </a:p>
         </p:txBody>
       </p:sp>
-      <p:graphicFrame>
-        <p:nvGraphicFramePr>
-          <p:cNvPr id="3" name="Table 3">
+      <p:sp>
+        <p:nvSpPr>
+          <p:cNvPr id="3" name="TextBox 2">
             <a:extLst>
               <a:ext uri="{FF2B5EF4-FFF2-40B4-BE49-F238E27FC236}">
-                <a16:creationId xmlns:a16="http://schemas.microsoft.com/office/drawing/2014/main" xmlns="" id="{8FF9F460-CB88-E879-DE0B-1EC36123650B}"/>
-              </a:ext>
-            </a:extLst>
-          </p:cNvPr>
-          <p:cNvGraphicFramePr>
-            <a:graphicFrameLocks noGrp="1"/>
-          </p:cNvGraphicFramePr>
-          <p:nvPr>
-            <p:extLst>
-              <p:ext uri="{D42A27DB-BD31-4B8C-83A1-F6EECF244321}">
-                <p14:modId xmlns:p14="http://schemas.microsoft.com/office/powerpoint/2010/main" xmlns="" val="2577752289"/>
-              </p:ext>
-            </p:extLst>
-          </p:nvPr>
-        </p:nvGraphicFramePr>
-        <p:xfrm>
-          <a:off x="3352800" y="2781300"/>
-          <a:ext cx="12573000" cy="4938550"/>
-        </p:xfrm>
-        <a:graphic>
-          <a:graphicData uri="http://schemas.openxmlformats.org/drawingml/2006/table">
-            <a:tbl>
-              <a:tblPr firstRow="1" bandRow="1">
-                <a:tableStyleId>{5C22544A-7EE6-4342-B048-85BDC9FD1C3A}</a:tableStyleId>
-              </a:tblPr>
-              <a:tblGrid>
-                <a:gridCol w="6286500">
-                  <a:extLst>
-                    <a:ext uri="{9D8B030D-6E8A-4147-A177-3AD203B41FA5}">
-                      <a16:colId xmlns:a16="http://schemas.microsoft.com/office/drawing/2014/main" xmlns="" val="3208537848"/>
-                    </a:ext>
-                  </a:extLst>
-                </a:gridCol>
-                <a:gridCol w="6286500">
-                  <a:extLst>
-                    <a:ext uri="{9D8B030D-6E8A-4147-A177-3AD203B41FA5}">
-                      <a16:colId xmlns:a16="http://schemas.microsoft.com/office/drawing/2014/main" xmlns="" val="1733744646"/>
-                    </a:ext>
-                  </a:extLst>
-                </a:gridCol>
-              </a:tblGrid>
-              <a:tr h="746324">
-                <a:tc>
-                  <a:txBody>
-                    <a:bodyPr/>
-                    <a:lstStyle/>
-                    <a:p>
-                      <a:r>
-                        <a:rPr lang="en-GB" sz="2000" b="1" dirty="0">
-                          <a:latin typeface="Arial" panose="020B0604020202020204" pitchFamily="34" charset="0"/>
-                          <a:cs typeface="Arial" panose="020B0604020202020204" pitchFamily="34" charset="0"/>
-                        </a:rPr>
-                        <a:t>NAME</a:t>
-                      </a:r>
-                      <a:endParaRPr lang="en-AE" sz="2000" b="1" dirty="0">
-                        <a:latin typeface="Arial" panose="020B0604020202020204" pitchFamily="34" charset="0"/>
-                        <a:cs typeface="Arial" panose="020B0604020202020204" pitchFamily="34" charset="0"/>
-                      </a:endParaRPr>
-                    </a:p>
-                  </a:txBody>
-                  <a:tcPr/>
-                </a:tc>
-                <a:tc>
-                  <a:txBody>
-                    <a:bodyPr/>
-                    <a:lstStyle/>
-                    <a:p>
-                      <a:r>
-                        <a:rPr lang="en-GB" sz="2000" b="1" dirty="0">
-                          <a:latin typeface="Arial" panose="020B0604020202020204" pitchFamily="34" charset="0"/>
-                          <a:cs typeface="Arial" panose="020B0604020202020204" pitchFamily="34" charset="0"/>
-                        </a:rPr>
-                        <a:t>CONTRIBUTION</a:t>
-                      </a:r>
-                      <a:endParaRPr lang="en-AE" sz="2000" b="1" dirty="0">
-                        <a:latin typeface="Arial" panose="020B0604020202020204" pitchFamily="34" charset="0"/>
-                        <a:cs typeface="Arial" panose="020B0604020202020204" pitchFamily="34" charset="0"/>
-                      </a:endParaRPr>
-                    </a:p>
-                  </a:txBody>
-                  <a:tcPr/>
-                </a:tc>
-                <a:extLst>
-                  <a:ext uri="{0D108BD9-81ED-4DB2-BD59-A6C34878D82A}">
-                    <a16:rowId xmlns:a16="http://schemas.microsoft.com/office/drawing/2014/main" xmlns="" val="2085535117"/>
-                  </a:ext>
-                </a:extLst>
-              </a:tr>
-              <a:tr h="1615876">
-                <a:tc>
-                  <a:txBody>
-                    <a:bodyPr/>
-                    <a:lstStyle/>
-                    <a:p>
-                      <a:r>
-                        <a:rPr lang="en-GB" sz="2000" b="1" dirty="0">
-                          <a:latin typeface="Arial" panose="020B0604020202020204" pitchFamily="34" charset="0"/>
-                          <a:cs typeface="Arial" panose="020B0604020202020204" pitchFamily="34" charset="0"/>
-                        </a:rPr>
-                        <a:t>MADHUMITHA PS</a:t>
-                      </a:r>
-                      <a:endParaRPr lang="en-AE" sz="2000" b="1" dirty="0">
-                        <a:latin typeface="Arial" panose="020B0604020202020204" pitchFamily="34" charset="0"/>
-                        <a:cs typeface="Arial" panose="020B0604020202020204" pitchFamily="34" charset="0"/>
-                      </a:endParaRPr>
-                    </a:p>
-                  </a:txBody>
-                  <a:tcPr/>
-                </a:tc>
-                <a:tc>
-                  <a:txBody>
-                    <a:bodyPr/>
-                    <a:lstStyle/>
-                    <a:p>
-                      <a:r>
-                        <a:rPr lang="en-GB" sz="2000" b="1" dirty="0">
-                          <a:latin typeface="Arial" panose="020B0604020202020204" pitchFamily="34" charset="0"/>
-                          <a:cs typeface="Arial" panose="020B0604020202020204" pitchFamily="34" charset="0"/>
-                        </a:rPr>
-                        <a:t>Worked in Data Collection, Implemented Pre-processing module-cleaning, Normalization, Binning. Literature survey, Data description, data pre-processing steps in Overleaf. Presentation.</a:t>
-                      </a:r>
-                      <a:endParaRPr lang="en-AE" sz="2000" b="1" dirty="0">
-                        <a:latin typeface="Arial" panose="020B0604020202020204" pitchFamily="34" charset="0"/>
-                        <a:cs typeface="Arial" panose="020B0604020202020204" pitchFamily="34" charset="0"/>
-                      </a:endParaRPr>
-                    </a:p>
-                  </a:txBody>
-                  <a:tcPr/>
-                </a:tc>
-                <a:extLst>
-                  <a:ext uri="{0D108BD9-81ED-4DB2-BD59-A6C34878D82A}">
-                    <a16:rowId xmlns:a16="http://schemas.microsoft.com/office/drawing/2014/main" xmlns="" val="2804708603"/>
-                  </a:ext>
-                </a:extLst>
-              </a:tr>
-              <a:tr h="1288175">
-                <a:tc>
-                  <a:txBody>
-                    <a:bodyPr/>
-                    <a:lstStyle/>
-                    <a:p>
-                      <a:r>
-                        <a:rPr lang="en-GB" sz="2000" b="1" dirty="0">
-                          <a:latin typeface="Arial" panose="020B0604020202020204" pitchFamily="34" charset="0"/>
-                          <a:cs typeface="Arial" panose="020B0604020202020204" pitchFamily="34" charset="0"/>
-                        </a:rPr>
-                        <a:t>SHALINI R</a:t>
-                      </a:r>
-                      <a:endParaRPr lang="en-AE" sz="2000" b="1" dirty="0">
-                        <a:latin typeface="Arial" panose="020B0604020202020204" pitchFamily="34" charset="0"/>
-                        <a:cs typeface="Arial" panose="020B0604020202020204" pitchFamily="34" charset="0"/>
-                      </a:endParaRPr>
-                    </a:p>
-                  </a:txBody>
-                  <a:tcPr/>
-                </a:tc>
-                <a:tc>
-                  <a:txBody>
-                    <a:bodyPr/>
-                    <a:lstStyle/>
-                    <a:p>
-                      <a:r>
-                        <a:rPr lang="en-GB" sz="2000" b="1" dirty="0">
-                          <a:latin typeface="Arial" panose="020B0604020202020204" pitchFamily="34" charset="0"/>
-                          <a:cs typeface="Arial" panose="020B0604020202020204" pitchFamily="34" charset="0"/>
-                        </a:rPr>
-                        <a:t>Worked in Association rule Mining. Data Analysis Methods, Proposed work Part In overleaf, Presentation</a:t>
-                      </a:r>
-                      <a:endParaRPr lang="en-AE" sz="2000" b="1" dirty="0">
-                        <a:latin typeface="Arial" panose="020B0604020202020204" pitchFamily="34" charset="0"/>
-                        <a:cs typeface="Arial" panose="020B0604020202020204" pitchFamily="34" charset="0"/>
-                      </a:endParaRPr>
-                    </a:p>
-                  </a:txBody>
-                  <a:tcPr/>
-                </a:tc>
-                <a:extLst>
-                  <a:ext uri="{0D108BD9-81ED-4DB2-BD59-A6C34878D82A}">
-                    <a16:rowId xmlns:a16="http://schemas.microsoft.com/office/drawing/2014/main" xmlns="" val="3063127274"/>
-                  </a:ext>
-                </a:extLst>
-              </a:tr>
-              <a:tr h="1288175">
-                <a:tc>
-                  <a:txBody>
-                    <a:bodyPr/>
-                    <a:lstStyle/>
-                    <a:p>
-                      <a:r>
-                        <a:rPr lang="en-GB" sz="2000" b="1" dirty="0">
-                          <a:latin typeface="Arial" panose="020B0604020202020204" pitchFamily="34" charset="0"/>
-                          <a:cs typeface="Arial" panose="020B0604020202020204" pitchFamily="34" charset="0"/>
-                        </a:rPr>
-                        <a:t>HARISHMA SABU</a:t>
-                      </a:r>
-                      <a:endParaRPr lang="en-AE" sz="2000" b="1" dirty="0">
-                        <a:latin typeface="Arial" panose="020B0604020202020204" pitchFamily="34" charset="0"/>
-                        <a:cs typeface="Arial" panose="020B0604020202020204" pitchFamily="34" charset="0"/>
-                      </a:endParaRPr>
-                    </a:p>
-                  </a:txBody>
-                  <a:tcPr/>
-                </a:tc>
-                <a:tc>
-                  <a:txBody>
-                    <a:bodyPr/>
-                    <a:lstStyle/>
-                    <a:p>
-                      <a:r>
-                        <a:rPr lang="en-GB" sz="2000" b="1" dirty="0">
-                          <a:latin typeface="Arial" panose="020B0604020202020204" pitchFamily="34" charset="0"/>
-                          <a:cs typeface="Arial" panose="020B0604020202020204" pitchFamily="34" charset="0"/>
-                        </a:rPr>
-                        <a:t>Worked in Regression Analysis, Architecture Diagram, data Visualization part in overleaf, Presentation.</a:t>
-                      </a:r>
-                      <a:endParaRPr lang="en-AE" sz="2000" b="1" dirty="0">
-                        <a:latin typeface="Arial" panose="020B0604020202020204" pitchFamily="34" charset="0"/>
-                        <a:cs typeface="Arial" panose="020B0604020202020204" pitchFamily="34" charset="0"/>
-                      </a:endParaRPr>
-                    </a:p>
-                  </a:txBody>
-                  <a:tcPr/>
-                </a:tc>
-                <a:extLst>
-                  <a:ext uri="{0D108BD9-81ED-4DB2-BD59-A6C34878D82A}">
-                    <a16:rowId xmlns:a16="http://schemas.microsoft.com/office/drawing/2014/main" xmlns="" val="1260588649"/>
-                  </a:ext>
-                </a:extLst>
-              </a:tr>
-            </a:tbl>
-          </a:graphicData>
-        </a:graphic>
-      </p:graphicFrame>
-      <p:sp>
-        <p:nvSpPr>
-          <p:cNvPr id="8" name="TextBox 10">
-            <a:extLst>
-              <a:ext uri="{FF2B5EF4-FFF2-40B4-BE49-F238E27FC236}">
-                <a16:creationId xmlns:a16="http://schemas.microsoft.com/office/drawing/2014/main" xmlns="" id="{73095852-5DAC-71F1-45D7-189897AE5389}"/>
+                <a16:creationId xmlns="" xmlns:a16="http://schemas.microsoft.com/office/drawing/2014/main" id="{5554CFB2-4EFA-365D-FFF1-738F6C076C57}"/>
               </a:ext>
             </a:extLst>
           </p:cNvPr>
@@ -6029,23 +5840,900 @@
         </p:nvSpPr>
         <p:spPr>
           <a:xfrm>
-            <a:off x="15915854" y="-98041"/>
-            <a:ext cx="1449213" cy="1509824"/>
+            <a:off x="1905000" y="2618996"/>
+            <a:ext cx="14705320" cy="7386638"/>
           </a:xfrm>
           <a:prstGeom prst="rect">
             <a:avLst/>
           </a:prstGeom>
         </p:spPr>
         <p:txBody>
-          <a:bodyPr lIns="50800" tIns="50800" rIns="50800" bIns="50800" rtlCol="0" anchor="ctr"/>
+          <a:bodyPr lIns="0" tIns="0" rIns="0" bIns="0" rtlCol="0" anchor="t">
+            <a:spAutoFit/>
+          </a:bodyPr>
           <a:lstStyle/>
           <a:p>
-            <a:pPr algn="ctr">
-              <a:lnSpc>
-                <a:spcPts val="2659"/>
-              </a:lnSpc>
-            </a:pPr>
-            <a:endParaRPr/>
+            <a:r>
+              <a:rPr lang="en-GB" sz="2000" b="1" i="0" cap="all" dirty="0">
+                <a:solidFill>
+                  <a:srgbClr val="000000"/>
+                </a:solidFill>
+                <a:effectLst/>
+                <a:latin typeface="Arial" panose="020B0604020202020204" pitchFamily="34" charset="0"/>
+                <a:cs typeface="Arial" panose="020B0604020202020204" pitchFamily="34" charset="0"/>
+              </a:rPr>
+              <a:t>[1] R. </a:t>
+            </a:r>
+            <a:r>
+              <a:rPr lang="en-GB" sz="2000" b="1" i="0" cap="all" dirty="0" err="1">
+                <a:solidFill>
+                  <a:srgbClr val="000000"/>
+                </a:solidFill>
+                <a:effectLst/>
+                <a:latin typeface="Arial" panose="020B0604020202020204" pitchFamily="34" charset="0"/>
+                <a:cs typeface="Arial" panose="020B0604020202020204" pitchFamily="34" charset="0"/>
+              </a:rPr>
+              <a:t>Rahutomo</a:t>
+            </a:r>
+            <a:r>
+              <a:rPr lang="en-GB" sz="2000" b="1" i="0" cap="all" dirty="0">
+                <a:solidFill>
+                  <a:srgbClr val="000000"/>
+                </a:solidFill>
+                <a:effectLst/>
+                <a:latin typeface="Arial" panose="020B0604020202020204" pitchFamily="34" charset="0"/>
+                <a:cs typeface="Arial" panose="020B0604020202020204" pitchFamily="34" charset="0"/>
+              </a:rPr>
+              <a:t>, G. N. </a:t>
+            </a:r>
+            <a:r>
+              <a:rPr lang="en-GB" sz="2000" b="1" i="0" cap="all" dirty="0" err="1">
+                <a:solidFill>
+                  <a:srgbClr val="000000"/>
+                </a:solidFill>
+                <a:effectLst/>
+                <a:latin typeface="Arial" panose="020B0604020202020204" pitchFamily="34" charset="0"/>
+                <a:cs typeface="Arial" panose="020B0604020202020204" pitchFamily="34" charset="0"/>
+              </a:rPr>
+              <a:t>Elwirehardja</a:t>
+            </a:r>
+            <a:r>
+              <a:rPr lang="en-GB" sz="2000" b="1" i="0" cap="all" dirty="0">
+                <a:solidFill>
+                  <a:srgbClr val="000000"/>
+                </a:solidFill>
+                <a:effectLst/>
+                <a:latin typeface="Arial" panose="020B0604020202020204" pitchFamily="34" charset="0"/>
+                <a:cs typeface="Arial" panose="020B0604020202020204" pitchFamily="34" charset="0"/>
+              </a:rPr>
+              <a:t>, M. </a:t>
+            </a:r>
+            <a:r>
+              <a:rPr lang="en-GB" sz="2000" b="1" i="0" cap="all" dirty="0" err="1">
+                <a:solidFill>
+                  <a:srgbClr val="000000"/>
+                </a:solidFill>
+                <a:effectLst/>
+                <a:latin typeface="Arial" panose="020B0604020202020204" pitchFamily="34" charset="0"/>
+                <a:cs typeface="Arial" panose="020B0604020202020204" pitchFamily="34" charset="0"/>
+              </a:rPr>
+              <a:t>Isnan</a:t>
+            </a:r>
+            <a:r>
+              <a:rPr lang="en-GB" sz="2000" b="1" i="0" cap="all" dirty="0">
+                <a:solidFill>
+                  <a:srgbClr val="000000"/>
+                </a:solidFill>
+                <a:effectLst/>
+                <a:latin typeface="Arial" panose="020B0604020202020204" pitchFamily="34" charset="0"/>
+                <a:cs typeface="Arial" panose="020B0604020202020204" pitchFamily="34" charset="0"/>
+              </a:rPr>
+              <a:t>, F. </a:t>
+            </a:r>
+            <a:r>
+              <a:rPr lang="en-GB" sz="2000" b="1" i="0" cap="all" dirty="0" err="1">
+                <a:solidFill>
+                  <a:srgbClr val="000000"/>
+                </a:solidFill>
+                <a:effectLst/>
+                <a:latin typeface="Arial" panose="020B0604020202020204" pitchFamily="34" charset="0"/>
+                <a:cs typeface="Arial" panose="020B0604020202020204" pitchFamily="34" charset="0"/>
+              </a:rPr>
+              <a:t>Asadi</a:t>
+            </a:r>
+            <a:r>
+              <a:rPr lang="en-GB" sz="2000" b="1" i="0" cap="all" dirty="0">
+                <a:solidFill>
+                  <a:srgbClr val="000000"/>
+                </a:solidFill>
+                <a:effectLst/>
+                <a:latin typeface="Arial" panose="020B0604020202020204" pitchFamily="34" charset="0"/>
+                <a:cs typeface="Arial" panose="020B0604020202020204" pitchFamily="34" charset="0"/>
+              </a:rPr>
+              <a:t> and B. </a:t>
+            </a:r>
+            <a:r>
+              <a:rPr lang="en-GB" sz="2000" b="1" i="0" cap="all" dirty="0" err="1">
+                <a:solidFill>
+                  <a:srgbClr val="000000"/>
+                </a:solidFill>
+                <a:effectLst/>
+                <a:latin typeface="Arial" panose="020B0604020202020204" pitchFamily="34" charset="0"/>
+                <a:cs typeface="Arial" panose="020B0604020202020204" pitchFamily="34" charset="0"/>
+              </a:rPr>
+              <a:t>Pardamean</a:t>
+            </a:r>
+            <a:r>
+              <a:rPr lang="en-GB" sz="2000" b="1" i="0" cap="all" dirty="0">
+                <a:solidFill>
+                  <a:srgbClr val="000000"/>
+                </a:solidFill>
+                <a:effectLst/>
+                <a:latin typeface="Arial" panose="020B0604020202020204" pitchFamily="34" charset="0"/>
+                <a:cs typeface="Arial" panose="020B0604020202020204" pitchFamily="34" charset="0"/>
+              </a:rPr>
+              <a:t>, ”Machine Learning Implementations in Childhood Stunting Research: A Systematic Literature Review,” 2023 International Conference on Infor </a:t>
+            </a:r>
+            <a:r>
+              <a:rPr lang="en-GB" sz="2000" b="1" i="0" cap="all" dirty="0" err="1">
+                <a:solidFill>
+                  <a:srgbClr val="000000"/>
+                </a:solidFill>
+                <a:effectLst/>
+                <a:latin typeface="Arial" panose="020B0604020202020204" pitchFamily="34" charset="0"/>
+                <a:cs typeface="Arial" panose="020B0604020202020204" pitchFamily="34" charset="0"/>
+              </a:rPr>
+              <a:t>mation</a:t>
+            </a:r>
+            <a:r>
+              <a:rPr lang="en-GB" sz="2000" b="1" i="0" cap="all" dirty="0">
+                <a:solidFill>
+                  <a:srgbClr val="000000"/>
+                </a:solidFill>
+                <a:effectLst/>
+                <a:latin typeface="Arial" panose="020B0604020202020204" pitchFamily="34" charset="0"/>
+                <a:cs typeface="Arial" panose="020B0604020202020204" pitchFamily="34" charset="0"/>
+              </a:rPr>
+              <a:t> Management and Technology (</a:t>
+            </a:r>
+            <a:r>
+              <a:rPr lang="en-GB" sz="2000" b="1" i="0" cap="all" dirty="0" err="1">
+                <a:solidFill>
+                  <a:srgbClr val="000000"/>
+                </a:solidFill>
+                <a:effectLst/>
+                <a:latin typeface="Arial" panose="020B0604020202020204" pitchFamily="34" charset="0"/>
+                <a:cs typeface="Arial" panose="020B0604020202020204" pitchFamily="34" charset="0"/>
+              </a:rPr>
+              <a:t>ICIMTech</a:t>
+            </a:r>
+            <a:r>
+              <a:rPr lang="en-GB" sz="2000" b="1" i="0" cap="all" dirty="0">
+                <a:solidFill>
+                  <a:srgbClr val="000000"/>
+                </a:solidFill>
+                <a:effectLst/>
+                <a:latin typeface="Arial" panose="020B0604020202020204" pitchFamily="34" charset="0"/>
+                <a:cs typeface="Arial" panose="020B0604020202020204" pitchFamily="34" charset="0"/>
+              </a:rPr>
+              <a:t>), Malang, Indonesia, 2023, pp. 229-234, </a:t>
+            </a:r>
+            <a:r>
+              <a:rPr lang="en-GB" sz="2000" b="1" i="0" cap="all" dirty="0" err="1">
+                <a:solidFill>
+                  <a:srgbClr val="000000"/>
+                </a:solidFill>
+                <a:effectLst/>
+                <a:latin typeface="Arial" panose="020B0604020202020204" pitchFamily="34" charset="0"/>
+                <a:cs typeface="Arial" panose="020B0604020202020204" pitchFamily="34" charset="0"/>
+              </a:rPr>
+              <a:t>doi</a:t>
+            </a:r>
+            <a:r>
+              <a:rPr lang="en-GB" sz="2000" b="1" i="0" cap="all" dirty="0">
+                <a:solidFill>
+                  <a:srgbClr val="000000"/>
+                </a:solidFill>
+                <a:effectLst/>
+                <a:latin typeface="Arial" panose="020B0604020202020204" pitchFamily="34" charset="0"/>
+                <a:cs typeface="Arial" panose="020B0604020202020204" pitchFamily="34" charset="0"/>
+              </a:rPr>
+              <a:t>: 10.1109/ICIMTech59029.2023.10277881.</a:t>
+            </a:r>
+          </a:p>
+          <a:p>
+            <a:endParaRPr lang="en-GB" sz="2000" b="1" i="0" cap="all" dirty="0">
+              <a:solidFill>
+                <a:srgbClr val="000000"/>
+              </a:solidFill>
+              <a:effectLst/>
+              <a:latin typeface="Arial" panose="020B0604020202020204" pitchFamily="34" charset="0"/>
+              <a:cs typeface="Arial" panose="020B0604020202020204" pitchFamily="34" charset="0"/>
+            </a:endParaRPr>
+          </a:p>
+          <a:p>
+            <a:r>
+              <a:rPr lang="en-GB" sz="2000" b="1" i="0" cap="all" dirty="0">
+                <a:solidFill>
+                  <a:srgbClr val="000000"/>
+                </a:solidFill>
+                <a:effectLst/>
+                <a:latin typeface="Arial" panose="020B0604020202020204" pitchFamily="34" charset="0"/>
+                <a:cs typeface="Arial" panose="020B0604020202020204" pitchFamily="34" charset="0"/>
+              </a:rPr>
+              <a:t>[2] A. </a:t>
+            </a:r>
+            <a:r>
+              <a:rPr lang="en-GB" sz="2000" b="1" i="0" cap="all" dirty="0" err="1">
+                <a:solidFill>
+                  <a:srgbClr val="000000"/>
+                </a:solidFill>
+                <a:effectLst/>
+                <a:latin typeface="Arial" panose="020B0604020202020204" pitchFamily="34" charset="0"/>
+                <a:cs typeface="Arial" panose="020B0604020202020204" pitchFamily="34" charset="0"/>
+              </a:rPr>
+              <a:t>Hermanto</a:t>
+            </a:r>
+            <a:r>
+              <a:rPr lang="en-GB" sz="2000" b="1" i="0" cap="all" dirty="0">
+                <a:solidFill>
+                  <a:srgbClr val="000000"/>
+                </a:solidFill>
+                <a:effectLst/>
+                <a:latin typeface="Arial" panose="020B0604020202020204" pitchFamily="34" charset="0"/>
+                <a:cs typeface="Arial" panose="020B0604020202020204" pitchFamily="34" charset="0"/>
+              </a:rPr>
+              <a:t> et al., ”Prediction of Nutritional Requirements for </a:t>
+            </a:r>
+            <a:r>
+              <a:rPr lang="en-GB" sz="2000" b="1" i="0" cap="all" dirty="0" err="1">
+                <a:solidFill>
+                  <a:srgbClr val="000000"/>
+                </a:solidFill>
+                <a:effectLst/>
+                <a:latin typeface="Arial" panose="020B0604020202020204" pitchFamily="34" charset="0"/>
+                <a:cs typeface="Arial" panose="020B0604020202020204" pitchFamily="34" charset="0"/>
+              </a:rPr>
+              <a:t>Chil</a:t>
+            </a:r>
+            <a:r>
+              <a:rPr lang="en-GB" sz="2000" b="1" i="0" cap="all" dirty="0">
+                <a:solidFill>
+                  <a:srgbClr val="000000"/>
+                </a:solidFill>
+                <a:effectLst/>
+                <a:latin typeface="Arial" panose="020B0604020202020204" pitchFamily="34" charset="0"/>
+                <a:cs typeface="Arial" panose="020B0604020202020204" pitchFamily="34" charset="0"/>
+              </a:rPr>
+              <a:t> </a:t>
+            </a:r>
+            <a:r>
+              <a:rPr lang="en-GB" sz="2000" b="1" i="0" cap="all" dirty="0" err="1">
+                <a:solidFill>
+                  <a:srgbClr val="000000"/>
+                </a:solidFill>
+                <a:effectLst/>
+                <a:latin typeface="Arial" panose="020B0604020202020204" pitchFamily="34" charset="0"/>
+                <a:cs typeface="Arial" panose="020B0604020202020204" pitchFamily="34" charset="0"/>
+              </a:rPr>
+              <a:t>dren’s</a:t>
+            </a:r>
+            <a:r>
+              <a:rPr lang="en-GB" sz="2000" b="1" i="0" cap="all" dirty="0">
+                <a:solidFill>
+                  <a:srgbClr val="000000"/>
+                </a:solidFill>
+                <a:effectLst/>
+                <a:latin typeface="Arial" panose="020B0604020202020204" pitchFamily="34" charset="0"/>
+                <a:cs typeface="Arial" panose="020B0604020202020204" pitchFamily="34" charset="0"/>
+              </a:rPr>
+              <a:t> Growth and Adolescents using Machine Learning,” 2022 Inter national Seminar on Application for Technology of Information and Communication (</a:t>
+            </a:r>
+            <a:r>
+              <a:rPr lang="en-GB" sz="2000" b="1" i="0" cap="all" dirty="0" err="1">
+                <a:solidFill>
+                  <a:srgbClr val="000000"/>
+                </a:solidFill>
+                <a:effectLst/>
+                <a:latin typeface="Arial" panose="020B0604020202020204" pitchFamily="34" charset="0"/>
+                <a:cs typeface="Arial" panose="020B0604020202020204" pitchFamily="34" charset="0"/>
+              </a:rPr>
+              <a:t>iSemantic</a:t>
+            </a:r>
+            <a:r>
+              <a:rPr lang="en-GB" sz="2000" b="1" i="0" cap="all" dirty="0">
+                <a:solidFill>
+                  <a:srgbClr val="000000"/>
+                </a:solidFill>
+                <a:effectLst/>
+                <a:latin typeface="Arial" panose="020B0604020202020204" pitchFamily="34" charset="0"/>
+                <a:cs typeface="Arial" panose="020B0604020202020204" pitchFamily="34" charset="0"/>
+              </a:rPr>
+              <a:t>), Semarang, Indonesia, 2022, pp. 263-267, </a:t>
+            </a:r>
+            <a:r>
+              <a:rPr lang="en-GB" sz="2000" b="1" i="0" cap="all" dirty="0" err="1">
+                <a:solidFill>
+                  <a:srgbClr val="000000"/>
+                </a:solidFill>
+                <a:effectLst/>
+                <a:latin typeface="Arial" panose="020B0604020202020204" pitchFamily="34" charset="0"/>
+                <a:cs typeface="Arial" panose="020B0604020202020204" pitchFamily="34" charset="0"/>
+              </a:rPr>
+              <a:t>doi</a:t>
+            </a:r>
+            <a:r>
+              <a:rPr lang="en-GB" sz="2000" b="1" i="0" cap="all" dirty="0">
+                <a:solidFill>
+                  <a:srgbClr val="000000"/>
+                </a:solidFill>
+                <a:effectLst/>
+                <a:latin typeface="Arial" panose="020B0604020202020204" pitchFamily="34" charset="0"/>
+                <a:cs typeface="Arial" panose="020B0604020202020204" pitchFamily="34" charset="0"/>
+              </a:rPr>
+              <a:t>: 10.1109/iSemantic55962.2022.9920443.</a:t>
+            </a:r>
+          </a:p>
+          <a:p>
+            <a:endParaRPr lang="en-GB" sz="2000" cap="all" dirty="0">
+              <a:solidFill>
+                <a:srgbClr val="000000"/>
+              </a:solidFill>
+              <a:effectLst/>
+              <a:latin typeface="Arial" panose="020B0604020202020204" pitchFamily="34" charset="0"/>
+              <a:cs typeface="Arial" panose="020B0604020202020204" pitchFamily="34" charset="0"/>
+            </a:endParaRPr>
+          </a:p>
+          <a:p>
+            <a:r>
+              <a:rPr lang="en-GB" sz="2000" b="1" i="0" cap="all" dirty="0">
+                <a:solidFill>
+                  <a:srgbClr val="000000"/>
+                </a:solidFill>
+                <a:effectLst/>
+                <a:latin typeface="Arial" panose="020B0604020202020204" pitchFamily="34" charset="0"/>
+                <a:cs typeface="Arial" panose="020B0604020202020204" pitchFamily="34" charset="0"/>
+              </a:rPr>
+              <a:t>[3] M. </a:t>
+            </a:r>
+            <a:r>
+              <a:rPr lang="en-GB" sz="2000" b="1" i="0" cap="all" dirty="0" err="1">
+                <a:solidFill>
+                  <a:srgbClr val="000000"/>
+                </a:solidFill>
+                <a:effectLst/>
+                <a:latin typeface="Arial" panose="020B0604020202020204" pitchFamily="34" charset="0"/>
+                <a:cs typeface="Arial" panose="020B0604020202020204" pitchFamily="34" charset="0"/>
+              </a:rPr>
+              <a:t>Zarlis</a:t>
+            </a:r>
+            <a:r>
+              <a:rPr lang="en-GB" sz="2000" b="1" i="0" cap="all" dirty="0">
+                <a:solidFill>
+                  <a:srgbClr val="000000"/>
+                </a:solidFill>
+                <a:effectLst/>
+                <a:latin typeface="Arial" panose="020B0604020202020204" pitchFamily="34" charset="0"/>
+                <a:cs typeface="Arial" panose="020B0604020202020204" pitchFamily="34" charset="0"/>
+              </a:rPr>
+              <a:t>, T. </a:t>
+            </a:r>
+            <a:r>
+              <a:rPr lang="en-GB" sz="2000" b="1" i="0" cap="all" dirty="0" err="1">
+                <a:solidFill>
+                  <a:srgbClr val="000000"/>
+                </a:solidFill>
+                <a:effectLst/>
+                <a:latin typeface="Arial" panose="020B0604020202020204" pitchFamily="34" charset="0"/>
+                <a:cs typeface="Arial" panose="020B0604020202020204" pitchFamily="34" charset="0"/>
+              </a:rPr>
+              <a:t>Oktavia</a:t>
+            </a:r>
+            <a:r>
+              <a:rPr lang="en-GB" sz="2000" b="1" i="0" cap="all" dirty="0">
+                <a:solidFill>
+                  <a:srgbClr val="000000"/>
+                </a:solidFill>
+                <a:effectLst/>
+                <a:latin typeface="Arial" panose="020B0604020202020204" pitchFamily="34" charset="0"/>
+                <a:cs typeface="Arial" panose="020B0604020202020204" pitchFamily="34" charset="0"/>
+              </a:rPr>
+              <a:t>, R. </a:t>
+            </a:r>
+            <a:r>
+              <a:rPr lang="en-GB" sz="2000" b="1" i="0" cap="all" dirty="0" err="1">
+                <a:solidFill>
+                  <a:srgbClr val="000000"/>
+                </a:solidFill>
+                <a:effectLst/>
+                <a:latin typeface="Arial" panose="020B0604020202020204" pitchFamily="34" charset="0"/>
+                <a:cs typeface="Arial" panose="020B0604020202020204" pitchFamily="34" charset="0"/>
+              </a:rPr>
+              <a:t>Buaton</a:t>
+            </a:r>
+            <a:r>
+              <a:rPr lang="en-GB" sz="2000" b="1" i="0" cap="all" dirty="0">
+                <a:solidFill>
+                  <a:srgbClr val="000000"/>
+                </a:solidFill>
+                <a:effectLst/>
+                <a:latin typeface="Arial" panose="020B0604020202020204" pitchFamily="34" charset="0"/>
+                <a:cs typeface="Arial" panose="020B0604020202020204" pitchFamily="34" charset="0"/>
+              </a:rPr>
+              <a:t>, F. </a:t>
+            </a:r>
+            <a:r>
+              <a:rPr lang="en-GB" sz="2000" b="1" i="0" cap="all" dirty="0" err="1">
+                <a:solidFill>
+                  <a:srgbClr val="000000"/>
+                </a:solidFill>
+                <a:effectLst/>
+                <a:latin typeface="Arial" panose="020B0604020202020204" pitchFamily="34" charset="0"/>
+                <a:cs typeface="Arial" panose="020B0604020202020204" pitchFamily="34" charset="0"/>
+              </a:rPr>
+              <a:t>Ernawan</a:t>
+            </a:r>
+            <a:r>
+              <a:rPr lang="en-GB" sz="2000" b="1" i="0" cap="all" dirty="0">
+                <a:solidFill>
+                  <a:srgbClr val="000000"/>
+                </a:solidFill>
+                <a:effectLst/>
+                <a:latin typeface="Arial" panose="020B0604020202020204" pitchFamily="34" charset="0"/>
+                <a:cs typeface="Arial" panose="020B0604020202020204" pitchFamily="34" charset="0"/>
+              </a:rPr>
+              <a:t> and K. </a:t>
+            </a:r>
+            <a:r>
+              <a:rPr lang="en-GB" sz="2000" b="1" i="0" cap="all" dirty="0" err="1">
+                <a:solidFill>
+                  <a:srgbClr val="000000"/>
+                </a:solidFill>
+                <a:effectLst/>
+                <a:latin typeface="Arial" panose="020B0604020202020204" pitchFamily="34" charset="0"/>
+                <a:cs typeface="Arial" panose="020B0604020202020204" pitchFamily="34" charset="0"/>
+              </a:rPr>
+              <a:t>Andrian</a:t>
+            </a:r>
+            <a:r>
+              <a:rPr lang="en-GB" sz="2000" b="1" i="0" cap="all" dirty="0">
+                <a:solidFill>
+                  <a:srgbClr val="000000"/>
+                </a:solidFill>
+                <a:effectLst/>
+                <a:latin typeface="Arial" panose="020B0604020202020204" pitchFamily="34" charset="0"/>
+                <a:cs typeface="Arial" panose="020B0604020202020204" pitchFamily="34" charset="0"/>
+              </a:rPr>
+              <a:t>, ”</a:t>
+            </a:r>
+            <a:r>
+              <a:rPr lang="en-GB" sz="2000" b="1" i="0" cap="all" dirty="0" err="1">
+                <a:solidFill>
+                  <a:srgbClr val="000000"/>
+                </a:solidFill>
+                <a:effectLst/>
+                <a:latin typeface="Arial" panose="020B0604020202020204" pitchFamily="34" charset="0"/>
+                <a:cs typeface="Arial" panose="020B0604020202020204" pitchFamily="34" charset="0"/>
+              </a:rPr>
+              <a:t>Minimiz</a:t>
+            </a:r>
+            <a:r>
+              <a:rPr lang="en-GB" sz="2000" b="1" i="0" cap="all" dirty="0">
+                <a:solidFill>
+                  <a:srgbClr val="000000"/>
+                </a:solidFill>
+                <a:effectLst/>
+                <a:latin typeface="Arial" panose="020B0604020202020204" pitchFamily="34" charset="0"/>
+                <a:cs typeface="Arial" panose="020B0604020202020204" pitchFamily="34" charset="0"/>
+              </a:rPr>
+              <a:t> </a:t>
+            </a:r>
+            <a:r>
+              <a:rPr lang="en-GB" sz="2000" b="1" i="0" cap="all" dirty="0" err="1">
+                <a:solidFill>
+                  <a:srgbClr val="000000"/>
+                </a:solidFill>
+                <a:effectLst/>
+                <a:latin typeface="Arial" panose="020B0604020202020204" pitchFamily="34" charset="0"/>
+                <a:cs typeface="Arial" panose="020B0604020202020204" pitchFamily="34" charset="0"/>
+              </a:rPr>
+              <a:t>ing</a:t>
+            </a:r>
+            <a:r>
+              <a:rPr lang="en-GB" sz="2000" b="1" i="0" cap="all" dirty="0">
+                <a:solidFill>
+                  <a:srgbClr val="000000"/>
+                </a:solidFill>
+                <a:effectLst/>
+                <a:latin typeface="Arial" panose="020B0604020202020204" pitchFamily="34" charset="0"/>
+                <a:cs typeface="Arial" panose="020B0604020202020204" pitchFamily="34" charset="0"/>
+              </a:rPr>
+              <a:t> the Number of Stunting Prevalence Using the Euclid Algorithm </a:t>
+            </a:r>
+            <a:r>
+              <a:rPr lang="en-GB" sz="2000" b="1" i="0" cap="all" dirty="0" err="1">
+                <a:solidFill>
+                  <a:srgbClr val="000000"/>
+                </a:solidFill>
+                <a:effectLst/>
+                <a:latin typeface="Arial" panose="020B0604020202020204" pitchFamily="34" charset="0"/>
+                <a:cs typeface="Arial" panose="020B0604020202020204" pitchFamily="34" charset="0"/>
+              </a:rPr>
+              <a:t>Clus</a:t>
+            </a:r>
+            <a:r>
+              <a:rPr lang="en-GB" sz="2000" b="1" i="0" cap="all" dirty="0">
+                <a:solidFill>
+                  <a:srgbClr val="000000"/>
+                </a:solidFill>
+                <a:effectLst/>
+                <a:latin typeface="Arial" panose="020B0604020202020204" pitchFamily="34" charset="0"/>
+                <a:cs typeface="Arial" panose="020B0604020202020204" pitchFamily="34" charset="0"/>
+              </a:rPr>
+              <a:t> </a:t>
+            </a:r>
+            <a:r>
+              <a:rPr lang="en-GB" sz="2000" b="1" i="0" cap="all" dirty="0" err="1">
+                <a:solidFill>
+                  <a:srgbClr val="000000"/>
+                </a:solidFill>
+                <a:effectLst/>
+                <a:latin typeface="Arial" panose="020B0604020202020204" pitchFamily="34" charset="0"/>
+                <a:cs typeface="Arial" panose="020B0604020202020204" pitchFamily="34" charset="0"/>
+              </a:rPr>
+              <a:t>tering</a:t>
+            </a:r>
+            <a:r>
+              <a:rPr lang="en-GB" sz="2000" b="1" i="0" cap="all" dirty="0">
+                <a:solidFill>
+                  <a:srgbClr val="000000"/>
+                </a:solidFill>
+                <a:effectLst/>
+                <a:latin typeface="Arial" panose="020B0604020202020204" pitchFamily="34" charset="0"/>
+                <a:cs typeface="Arial" panose="020B0604020202020204" pitchFamily="34" charset="0"/>
+              </a:rPr>
+              <a:t> Approach,” 2023 International Conference of Computer Science and Information Technology (ICOSNIKOM), </a:t>
+            </a:r>
+            <a:r>
+              <a:rPr lang="en-GB" sz="2000" b="1" i="0" cap="all" dirty="0" err="1">
+                <a:solidFill>
+                  <a:srgbClr val="000000"/>
+                </a:solidFill>
+                <a:effectLst/>
+                <a:latin typeface="Arial" panose="020B0604020202020204" pitchFamily="34" charset="0"/>
+                <a:cs typeface="Arial" panose="020B0604020202020204" pitchFamily="34" charset="0"/>
+              </a:rPr>
+              <a:t>Binjia</a:t>
+            </a:r>
+            <a:r>
+              <a:rPr lang="en-GB" sz="2000" b="1" i="0" cap="all" dirty="0">
+                <a:solidFill>
+                  <a:srgbClr val="000000"/>
+                </a:solidFill>
+                <a:effectLst/>
+                <a:latin typeface="Arial" panose="020B0604020202020204" pitchFamily="34" charset="0"/>
+                <a:cs typeface="Arial" panose="020B0604020202020204" pitchFamily="34" charset="0"/>
+              </a:rPr>
+              <a:t>, Indonesia, 2023, pp. 1-7, </a:t>
+            </a:r>
+            <a:r>
+              <a:rPr lang="en-GB" sz="2000" b="1" i="0" cap="all" dirty="0" err="1">
+                <a:solidFill>
+                  <a:srgbClr val="000000"/>
+                </a:solidFill>
+                <a:effectLst/>
+                <a:latin typeface="Arial" panose="020B0604020202020204" pitchFamily="34" charset="0"/>
+                <a:cs typeface="Arial" panose="020B0604020202020204" pitchFamily="34" charset="0"/>
+              </a:rPr>
+              <a:t>doi</a:t>
+            </a:r>
+            <a:r>
+              <a:rPr lang="en-GB" sz="2000" b="1" i="0" cap="all" dirty="0">
+                <a:solidFill>
+                  <a:srgbClr val="000000"/>
+                </a:solidFill>
+                <a:effectLst/>
+                <a:latin typeface="Arial" panose="020B0604020202020204" pitchFamily="34" charset="0"/>
+                <a:cs typeface="Arial" panose="020B0604020202020204" pitchFamily="34" charset="0"/>
+              </a:rPr>
+              <a:t>: 10.1109/ICoSNIKOM60230.2023.10364489.</a:t>
+            </a:r>
+          </a:p>
+          <a:p>
+            <a:endParaRPr lang="en-GB" sz="2000" cap="all" dirty="0">
+              <a:solidFill>
+                <a:srgbClr val="000000"/>
+              </a:solidFill>
+              <a:effectLst/>
+              <a:latin typeface="Arial" panose="020B0604020202020204" pitchFamily="34" charset="0"/>
+              <a:cs typeface="Arial" panose="020B0604020202020204" pitchFamily="34" charset="0"/>
+            </a:endParaRPr>
+          </a:p>
+          <a:p>
+            <a:r>
+              <a:rPr lang="en-GB" sz="2000" b="1" i="0" cap="all" dirty="0">
+                <a:solidFill>
+                  <a:srgbClr val="000000"/>
+                </a:solidFill>
+                <a:effectLst/>
+                <a:latin typeface="Arial" panose="020B0604020202020204" pitchFamily="34" charset="0"/>
+                <a:cs typeface="Arial" panose="020B0604020202020204" pitchFamily="34" charset="0"/>
+              </a:rPr>
+              <a:t>[4] R. A. </a:t>
+            </a:r>
+            <a:r>
+              <a:rPr lang="en-GB" sz="2000" b="1" i="0" cap="all" dirty="0" err="1">
+                <a:solidFill>
+                  <a:srgbClr val="000000"/>
+                </a:solidFill>
+                <a:effectLst/>
+                <a:latin typeface="Arial" panose="020B0604020202020204" pitchFamily="34" charset="0"/>
+                <a:cs typeface="Arial" panose="020B0604020202020204" pitchFamily="34" charset="0"/>
+              </a:rPr>
+              <a:t>Rahma</a:t>
+            </a:r>
+            <a:r>
+              <a:rPr lang="en-GB" sz="2000" b="1" i="0" cap="all" dirty="0">
+                <a:solidFill>
+                  <a:srgbClr val="000000"/>
+                </a:solidFill>
+                <a:effectLst/>
+                <a:latin typeface="Arial" panose="020B0604020202020204" pitchFamily="34" charset="0"/>
+                <a:cs typeface="Arial" panose="020B0604020202020204" pitchFamily="34" charset="0"/>
+              </a:rPr>
+              <a:t>, U. </a:t>
+            </a:r>
+            <a:r>
+              <a:rPr lang="en-GB" sz="2000" b="1" i="0" cap="all" dirty="0" err="1">
+                <a:solidFill>
+                  <a:srgbClr val="000000"/>
+                </a:solidFill>
+                <a:effectLst/>
+                <a:latin typeface="Arial" panose="020B0604020202020204" pitchFamily="34" charset="0"/>
+                <a:cs typeface="Arial" panose="020B0604020202020204" pitchFamily="34" charset="0"/>
+              </a:rPr>
+              <a:t>Dayati</a:t>
+            </a:r>
+            <a:r>
+              <a:rPr lang="en-GB" sz="2000" b="1" i="0" cap="all" dirty="0">
+                <a:solidFill>
+                  <a:srgbClr val="000000"/>
+                </a:solidFill>
+                <a:effectLst/>
+                <a:latin typeface="Arial" panose="020B0604020202020204" pitchFamily="34" charset="0"/>
+                <a:cs typeface="Arial" panose="020B0604020202020204" pitchFamily="34" charset="0"/>
+              </a:rPr>
+              <a:t>, E. S. </a:t>
+            </a:r>
+            <a:r>
+              <a:rPr lang="en-GB" sz="2000" b="1" i="0" cap="all" dirty="0" err="1">
+                <a:solidFill>
+                  <a:srgbClr val="000000"/>
+                </a:solidFill>
+                <a:effectLst/>
+                <a:latin typeface="Arial" panose="020B0604020202020204" pitchFamily="34" charset="0"/>
+                <a:cs typeface="Arial" panose="020B0604020202020204" pitchFamily="34" charset="0"/>
+              </a:rPr>
+              <a:t>Desyanty</a:t>
+            </a:r>
+            <a:r>
+              <a:rPr lang="en-GB" sz="2000" b="1" i="0" cap="all" dirty="0">
+                <a:solidFill>
+                  <a:srgbClr val="000000"/>
+                </a:solidFill>
+                <a:effectLst/>
+                <a:latin typeface="Arial" panose="020B0604020202020204" pitchFamily="34" charset="0"/>
+                <a:cs typeface="Arial" panose="020B0604020202020204" pitchFamily="34" charset="0"/>
+              </a:rPr>
+              <a:t> and R. A. </a:t>
+            </a:r>
+            <a:r>
+              <a:rPr lang="en-GB" sz="2000" b="1" i="0" cap="all" dirty="0" err="1">
+                <a:solidFill>
+                  <a:srgbClr val="000000"/>
+                </a:solidFill>
+                <a:effectLst/>
+                <a:latin typeface="Arial" panose="020B0604020202020204" pitchFamily="34" charset="0"/>
+                <a:cs typeface="Arial" panose="020B0604020202020204" pitchFamily="34" charset="0"/>
+              </a:rPr>
+              <a:t>Listyaningrum</a:t>
+            </a:r>
+            <a:r>
+              <a:rPr lang="en-GB" sz="2000" b="1" i="0" cap="all" dirty="0">
+                <a:solidFill>
+                  <a:srgbClr val="000000"/>
+                </a:solidFill>
+                <a:effectLst/>
+                <a:latin typeface="Arial" panose="020B0604020202020204" pitchFamily="34" charset="0"/>
+                <a:cs typeface="Arial" panose="020B0604020202020204" pitchFamily="34" charset="0"/>
+              </a:rPr>
+              <a:t>, ”Development of a Technology-Based Parenting Support </a:t>
+            </a:r>
+            <a:r>
+              <a:rPr lang="en-GB" sz="2000" b="1" i="0" cap="all" dirty="0" err="1">
+                <a:solidFill>
+                  <a:srgbClr val="000000"/>
+                </a:solidFill>
+                <a:effectLst/>
+                <a:latin typeface="Arial" panose="020B0604020202020204" pitchFamily="34" charset="0"/>
+                <a:cs typeface="Arial" panose="020B0604020202020204" pitchFamily="34" charset="0"/>
+              </a:rPr>
+              <a:t>Center</a:t>
+            </a:r>
+            <a:r>
+              <a:rPr lang="en-GB" sz="2000" b="1" i="0" cap="all" dirty="0">
+                <a:solidFill>
+                  <a:srgbClr val="000000"/>
+                </a:solidFill>
+                <a:effectLst/>
+                <a:latin typeface="Arial" panose="020B0604020202020204" pitchFamily="34" charset="0"/>
+                <a:cs typeface="Arial" panose="020B0604020202020204" pitchFamily="34" charset="0"/>
+              </a:rPr>
+              <a:t> Model to Support Stunting Reduction Programs,” 2022 8th International Con </a:t>
+            </a:r>
+            <a:r>
+              <a:rPr lang="en-GB" sz="2000" b="1" i="0" cap="all" dirty="0" err="1">
+                <a:solidFill>
+                  <a:srgbClr val="000000"/>
+                </a:solidFill>
+                <a:effectLst/>
+                <a:latin typeface="Arial" panose="020B0604020202020204" pitchFamily="34" charset="0"/>
+                <a:cs typeface="Arial" panose="020B0604020202020204" pitchFamily="34" charset="0"/>
+              </a:rPr>
+              <a:t>ference</a:t>
+            </a:r>
+            <a:r>
+              <a:rPr lang="en-GB" sz="2000" b="1" i="0" cap="all" dirty="0">
+                <a:solidFill>
+                  <a:srgbClr val="000000"/>
+                </a:solidFill>
+                <a:effectLst/>
+                <a:latin typeface="Arial" panose="020B0604020202020204" pitchFamily="34" charset="0"/>
+                <a:cs typeface="Arial" panose="020B0604020202020204" pitchFamily="34" charset="0"/>
+              </a:rPr>
+              <a:t> on Education and Technology (ICET), Malang, Indonesia, 2022, pp. 177-184, </a:t>
+            </a:r>
+            <a:r>
+              <a:rPr lang="en-GB" sz="2000" b="1" i="0" cap="all" dirty="0" err="1">
+                <a:solidFill>
+                  <a:srgbClr val="000000"/>
+                </a:solidFill>
+                <a:effectLst/>
+                <a:latin typeface="Arial" panose="020B0604020202020204" pitchFamily="34" charset="0"/>
+                <a:cs typeface="Arial" panose="020B0604020202020204" pitchFamily="34" charset="0"/>
+              </a:rPr>
+              <a:t>doi</a:t>
+            </a:r>
+            <a:r>
+              <a:rPr lang="en-GB" sz="2000" b="1" i="0" cap="all" dirty="0">
+                <a:solidFill>
+                  <a:srgbClr val="000000"/>
+                </a:solidFill>
+                <a:effectLst/>
+                <a:latin typeface="Arial" panose="020B0604020202020204" pitchFamily="34" charset="0"/>
+                <a:cs typeface="Arial" panose="020B0604020202020204" pitchFamily="34" charset="0"/>
+              </a:rPr>
+              <a:t>: 10.1109/ICET56879.2022.9990871.</a:t>
+            </a:r>
+          </a:p>
+          <a:p>
+            <a:endParaRPr lang="en-GB" sz="2000" cap="all" dirty="0">
+              <a:solidFill>
+                <a:srgbClr val="000000"/>
+              </a:solidFill>
+              <a:effectLst/>
+              <a:latin typeface="Arial" panose="020B0604020202020204" pitchFamily="34" charset="0"/>
+              <a:cs typeface="Arial" panose="020B0604020202020204" pitchFamily="34" charset="0"/>
+            </a:endParaRPr>
+          </a:p>
+          <a:p>
+            <a:r>
+              <a:rPr lang="en-GB" sz="2000" b="1" i="0" cap="all" dirty="0">
+                <a:solidFill>
+                  <a:srgbClr val="000000"/>
+                </a:solidFill>
+                <a:effectLst/>
+                <a:latin typeface="Arial" panose="020B0604020202020204" pitchFamily="34" charset="0"/>
+                <a:cs typeface="Arial" panose="020B0604020202020204" pitchFamily="34" charset="0"/>
+              </a:rPr>
+              <a:t>[5] R. Joseph, V. Sawant, S. </a:t>
+            </a:r>
+            <a:r>
+              <a:rPr lang="en-GB" sz="2000" b="1" i="0" cap="all" dirty="0" err="1">
+                <a:solidFill>
+                  <a:srgbClr val="000000"/>
+                </a:solidFill>
+                <a:effectLst/>
+                <a:latin typeface="Arial" panose="020B0604020202020204" pitchFamily="34" charset="0"/>
+                <a:cs typeface="Arial" panose="020B0604020202020204" pitchFamily="34" charset="0"/>
+              </a:rPr>
+              <a:t>Shenai</a:t>
+            </a:r>
+            <a:r>
+              <a:rPr lang="en-GB" sz="2000" b="1" i="0" cap="all" dirty="0">
+                <a:solidFill>
+                  <a:srgbClr val="000000"/>
+                </a:solidFill>
+                <a:effectLst/>
+                <a:latin typeface="Arial" panose="020B0604020202020204" pitchFamily="34" charset="0"/>
+                <a:cs typeface="Arial" panose="020B0604020202020204" pitchFamily="34" charset="0"/>
+              </a:rPr>
+              <a:t>, M. </a:t>
+            </a:r>
+            <a:r>
+              <a:rPr lang="en-GB" sz="2000" b="1" i="0" cap="all" dirty="0" err="1">
+                <a:solidFill>
+                  <a:srgbClr val="000000"/>
+                </a:solidFill>
+                <a:effectLst/>
+                <a:latin typeface="Arial" panose="020B0604020202020204" pitchFamily="34" charset="0"/>
+                <a:cs typeface="Arial" panose="020B0604020202020204" pitchFamily="34" charset="0"/>
+              </a:rPr>
+              <a:t>Paryani</a:t>
+            </a:r>
+            <a:r>
+              <a:rPr lang="en-GB" sz="2000" b="1" i="0" cap="all" dirty="0">
+                <a:solidFill>
+                  <a:srgbClr val="000000"/>
+                </a:solidFill>
+                <a:effectLst/>
+                <a:latin typeface="Arial" panose="020B0604020202020204" pitchFamily="34" charset="0"/>
+                <a:cs typeface="Arial" panose="020B0604020202020204" pitchFamily="34" charset="0"/>
+              </a:rPr>
+              <a:t> and G. Patil, ”Machine Learning based Factors affecting Malnutrition and </a:t>
+            </a:r>
+            <a:r>
+              <a:rPr lang="en-GB" sz="2000" b="1" i="0" cap="all" dirty="0" err="1">
+                <a:solidFill>
+                  <a:srgbClr val="000000"/>
+                </a:solidFill>
+                <a:effectLst/>
+                <a:latin typeface="Arial" panose="020B0604020202020204" pitchFamily="34" charset="0"/>
+                <a:cs typeface="Arial" panose="020B0604020202020204" pitchFamily="34" charset="0"/>
+              </a:rPr>
+              <a:t>Anemia</a:t>
+            </a:r>
+            <a:r>
+              <a:rPr lang="en-GB" sz="2000" b="1" i="0" cap="all" dirty="0">
+                <a:solidFill>
+                  <a:srgbClr val="000000"/>
+                </a:solidFill>
+                <a:effectLst/>
+                <a:latin typeface="Arial" panose="020B0604020202020204" pitchFamily="34" charset="0"/>
+                <a:cs typeface="Arial" panose="020B0604020202020204" pitchFamily="34" charset="0"/>
+              </a:rPr>
+              <a:t> among children in India,” 2022 6th International Conference on Intelligent Computing and Control Systems (ICICCS), Madurai, India, 2022, pp. 1826-1833, </a:t>
+            </a:r>
+            <a:r>
+              <a:rPr lang="en-GB" sz="2000" b="1" i="0" cap="all" dirty="0" err="1">
+                <a:solidFill>
+                  <a:srgbClr val="000000"/>
+                </a:solidFill>
+                <a:effectLst/>
+                <a:latin typeface="Arial" panose="020B0604020202020204" pitchFamily="34" charset="0"/>
+                <a:cs typeface="Arial" panose="020B0604020202020204" pitchFamily="34" charset="0"/>
+              </a:rPr>
+              <a:t>doi</a:t>
+            </a:r>
+            <a:r>
+              <a:rPr lang="en-GB" sz="2000" b="1" i="0" cap="all" dirty="0">
+                <a:solidFill>
+                  <a:srgbClr val="000000"/>
+                </a:solidFill>
+                <a:effectLst/>
+                <a:latin typeface="Arial" panose="020B0604020202020204" pitchFamily="34" charset="0"/>
+                <a:cs typeface="Arial" panose="020B0604020202020204" pitchFamily="34" charset="0"/>
+              </a:rPr>
+              <a:t>: 10.1109/ICICCS53718.2022.9788386.</a:t>
+            </a:r>
+            <a:endParaRPr lang="en-GB" sz="2000" cap="all" dirty="0">
+              <a:solidFill>
+                <a:srgbClr val="000000"/>
+              </a:solidFill>
+              <a:effectLst/>
+              <a:latin typeface="Arial" panose="020B0604020202020204" pitchFamily="34" charset="0"/>
+              <a:cs typeface="Arial" panose="020B0604020202020204" pitchFamily="34" charset="0"/>
+            </a:endParaRPr>
           </a:p>
         </p:txBody>
       </p:sp>
@@ -6054,7 +6742,7 @@
           <p:cNvPr id="6" name="Slide Number Placeholder 5">
             <a:extLst>
               <a:ext uri="{FF2B5EF4-FFF2-40B4-BE49-F238E27FC236}">
-                <a16:creationId xmlns:a16="http://schemas.microsoft.com/office/drawing/2014/main" xmlns="" id="{D33038CF-EB43-4CE2-C349-5780BD5B32E1}"/>
+                <a16:creationId xmlns="" xmlns:a16="http://schemas.microsoft.com/office/drawing/2014/main" id="{520F8E7E-3547-12C3-515A-56FE50AD272A}"/>
               </a:ext>
             </a:extLst>
           </p:cNvPr>
@@ -6067,7 +6755,7 @@
         </p:nvSpPr>
         <p:spPr>
           <a:xfrm>
-            <a:off x="7505700" y="9486900"/>
+            <a:off x="6705600" y="9799620"/>
             <a:ext cx="2133600" cy="365125"/>
           </a:xfrm>
         </p:spPr>
@@ -6087,7 +6775,7 @@
     </p:spTree>
     <p:extLst>
       <p:ext uri="{BB962C8B-B14F-4D97-AF65-F5344CB8AC3E}">
-        <p14:creationId xmlns:p14="http://schemas.microsoft.com/office/powerpoint/2010/main" xmlns="" val="1422906068"/>
+        <p14:creationId xmlns="" xmlns:p14="http://schemas.microsoft.com/office/powerpoint/2010/main" val="3569711744"/>
       </p:ext>
     </p:extLst>
   </p:cSld>
@@ -6119,7 +6807,7 @@
           <p:cNvPr id="2" name="TextBox 2">
             <a:extLst>
               <a:ext uri="{FF2B5EF4-FFF2-40B4-BE49-F238E27FC236}">
-                <a16:creationId xmlns:a16="http://schemas.microsoft.com/office/drawing/2014/main" xmlns="" id="{75012263-2741-1BF5-D06F-8BE6BC27B2C1}"/>
+                <a16:creationId xmlns="" xmlns:a16="http://schemas.microsoft.com/office/drawing/2014/main" id="{75012263-2741-1BF5-D06F-8BE6BC27B2C1}"/>
               </a:ext>
             </a:extLst>
           </p:cNvPr>
@@ -6170,7 +6858,7 @@
           <p:cNvPr id="3" name="TextBox 2">
             <a:extLst>
               <a:ext uri="{FF2B5EF4-FFF2-40B4-BE49-F238E27FC236}">
-                <a16:creationId xmlns:a16="http://schemas.microsoft.com/office/drawing/2014/main" xmlns="" id="{5554CFB2-4EFA-365D-FFF1-738F6C076C57}"/>
+                <a16:creationId xmlns="" xmlns:a16="http://schemas.microsoft.com/office/drawing/2014/main" id="{5554CFB2-4EFA-365D-FFF1-738F6C076C57}"/>
               </a:ext>
             </a:extLst>
           </p:cNvPr>
@@ -6180,7 +6868,7 @@
         <p:spPr>
           <a:xfrm>
             <a:off x="1905000" y="2618996"/>
-            <a:ext cx="14705320" cy="7386638"/>
+            <a:ext cx="14705320" cy="6771084"/>
           </a:xfrm>
           <a:prstGeom prst="rect">
             <a:avLst/>
@@ -6201,7 +6889,7 @@
                 <a:latin typeface="Arial" panose="020B0604020202020204" pitchFamily="34" charset="0"/>
                 <a:cs typeface="Arial" panose="020B0604020202020204" pitchFamily="34" charset="0"/>
               </a:rPr>
-              <a:t>[1] R. </a:t>
+              <a:t>[6] S. Jain, T. Khanam, A. J. Abedi and A. A. Khan, ”Efficient Machine Learning for Malnutrition Prediction among under-five children in India,” 2022 IEEE Delhi Section Conference (DELCON), New Delhi, India, 2022, pp. 1-10, </a:t>
             </a:r>
             <a:r>
               <a:rPr lang="en-GB" sz="2000" b="1" i="0" cap="all" dirty="0" err="1">
@@ -6212,7 +6900,7 @@
                 <a:latin typeface="Arial" panose="020B0604020202020204" pitchFamily="34" charset="0"/>
                 <a:cs typeface="Arial" panose="020B0604020202020204" pitchFamily="34" charset="0"/>
               </a:rPr>
-              <a:t>Rahutomo</a:t>
+              <a:t>doi</a:t>
             </a:r>
             <a:r>
               <a:rPr lang="en-GB" sz="2000" b="1" i="0" cap="all" dirty="0">
@@ -6223,161 +6911,7 @@
                 <a:latin typeface="Arial" panose="020B0604020202020204" pitchFamily="34" charset="0"/>
                 <a:cs typeface="Arial" panose="020B0604020202020204" pitchFamily="34" charset="0"/>
               </a:rPr>
-              <a:t>, G. N. </a:t>
-            </a:r>
-            <a:r>
-              <a:rPr lang="en-GB" sz="2000" b="1" i="0" cap="all" dirty="0" err="1">
-                <a:solidFill>
-                  <a:srgbClr val="000000"/>
-                </a:solidFill>
-                <a:effectLst/>
-                <a:latin typeface="Arial" panose="020B0604020202020204" pitchFamily="34" charset="0"/>
-                <a:cs typeface="Arial" panose="020B0604020202020204" pitchFamily="34" charset="0"/>
-              </a:rPr>
-              <a:t>Elwirehardja</a:t>
-            </a:r>
-            <a:r>
-              <a:rPr lang="en-GB" sz="2000" b="1" i="0" cap="all" dirty="0">
-                <a:solidFill>
-                  <a:srgbClr val="000000"/>
-                </a:solidFill>
-                <a:effectLst/>
-                <a:latin typeface="Arial" panose="020B0604020202020204" pitchFamily="34" charset="0"/>
-                <a:cs typeface="Arial" panose="020B0604020202020204" pitchFamily="34" charset="0"/>
-              </a:rPr>
-              <a:t>, M. </a:t>
-            </a:r>
-            <a:r>
-              <a:rPr lang="en-GB" sz="2000" b="1" i="0" cap="all" dirty="0" err="1">
-                <a:solidFill>
-                  <a:srgbClr val="000000"/>
-                </a:solidFill>
-                <a:effectLst/>
-                <a:latin typeface="Arial" panose="020B0604020202020204" pitchFamily="34" charset="0"/>
-                <a:cs typeface="Arial" panose="020B0604020202020204" pitchFamily="34" charset="0"/>
-              </a:rPr>
-              <a:t>Isnan</a:t>
-            </a:r>
-            <a:r>
-              <a:rPr lang="en-GB" sz="2000" b="1" i="0" cap="all" dirty="0">
-                <a:solidFill>
-                  <a:srgbClr val="000000"/>
-                </a:solidFill>
-                <a:effectLst/>
-                <a:latin typeface="Arial" panose="020B0604020202020204" pitchFamily="34" charset="0"/>
-                <a:cs typeface="Arial" panose="020B0604020202020204" pitchFamily="34" charset="0"/>
-              </a:rPr>
-              <a:t>, F. </a:t>
-            </a:r>
-            <a:r>
-              <a:rPr lang="en-GB" sz="2000" b="1" i="0" cap="all" dirty="0" err="1">
-                <a:solidFill>
-                  <a:srgbClr val="000000"/>
-                </a:solidFill>
-                <a:effectLst/>
-                <a:latin typeface="Arial" panose="020B0604020202020204" pitchFamily="34" charset="0"/>
-                <a:cs typeface="Arial" panose="020B0604020202020204" pitchFamily="34" charset="0"/>
-              </a:rPr>
-              <a:t>Asadi</a:t>
-            </a:r>
-            <a:r>
-              <a:rPr lang="en-GB" sz="2000" b="1" i="0" cap="all" dirty="0">
-                <a:solidFill>
-                  <a:srgbClr val="000000"/>
-                </a:solidFill>
-                <a:effectLst/>
-                <a:latin typeface="Arial" panose="020B0604020202020204" pitchFamily="34" charset="0"/>
-                <a:cs typeface="Arial" panose="020B0604020202020204" pitchFamily="34" charset="0"/>
-              </a:rPr>
-              <a:t> and B. </a:t>
-            </a:r>
-            <a:r>
-              <a:rPr lang="en-GB" sz="2000" b="1" i="0" cap="all" dirty="0" err="1">
-                <a:solidFill>
-                  <a:srgbClr val="000000"/>
-                </a:solidFill>
-                <a:effectLst/>
-                <a:latin typeface="Arial" panose="020B0604020202020204" pitchFamily="34" charset="0"/>
-                <a:cs typeface="Arial" panose="020B0604020202020204" pitchFamily="34" charset="0"/>
-              </a:rPr>
-              <a:t>Pardamean</a:t>
-            </a:r>
-            <a:r>
-              <a:rPr lang="en-GB" sz="2000" b="1" i="0" cap="all" dirty="0">
-                <a:solidFill>
-                  <a:srgbClr val="000000"/>
-                </a:solidFill>
-                <a:effectLst/>
-                <a:latin typeface="Arial" panose="020B0604020202020204" pitchFamily="34" charset="0"/>
-                <a:cs typeface="Arial" panose="020B0604020202020204" pitchFamily="34" charset="0"/>
-              </a:rPr>
-              <a:t>, ”Machine Learning Implementations in Childhood Stunting Research: A Systematic Literature Review,” 2023 International Conference on Infor </a:t>
-            </a:r>
-            <a:r>
-              <a:rPr lang="en-GB" sz="2000" b="1" i="0" cap="all" dirty="0" err="1">
-                <a:solidFill>
-                  <a:srgbClr val="000000"/>
-                </a:solidFill>
-                <a:effectLst/>
-                <a:latin typeface="Arial" panose="020B0604020202020204" pitchFamily="34" charset="0"/>
-                <a:cs typeface="Arial" panose="020B0604020202020204" pitchFamily="34" charset="0"/>
-              </a:rPr>
-              <a:t>mation</a:t>
-            </a:r>
-            <a:r>
-              <a:rPr lang="en-GB" sz="2000" b="1" i="0" cap="all" dirty="0">
-                <a:solidFill>
-                  <a:srgbClr val="000000"/>
-                </a:solidFill>
-                <a:effectLst/>
-                <a:latin typeface="Arial" panose="020B0604020202020204" pitchFamily="34" charset="0"/>
-                <a:cs typeface="Arial" panose="020B0604020202020204" pitchFamily="34" charset="0"/>
-              </a:rPr>
-              <a:t> Management and Technology (</a:t>
-            </a:r>
-            <a:r>
-              <a:rPr lang="en-GB" sz="2000" b="1" i="0" cap="all" dirty="0" err="1">
-                <a:solidFill>
-                  <a:srgbClr val="000000"/>
-                </a:solidFill>
-                <a:effectLst/>
-                <a:latin typeface="Arial" panose="020B0604020202020204" pitchFamily="34" charset="0"/>
-                <a:cs typeface="Arial" panose="020B0604020202020204" pitchFamily="34" charset="0"/>
-              </a:rPr>
-              <a:t>ICIMTech</a:t>
-            </a:r>
-            <a:r>
-              <a:rPr lang="en-GB" sz="2000" b="1" i="0" cap="all" dirty="0">
-                <a:solidFill>
-                  <a:srgbClr val="000000"/>
-                </a:solidFill>
-                <a:effectLst/>
-                <a:latin typeface="Arial" panose="020B0604020202020204" pitchFamily="34" charset="0"/>
-                <a:cs typeface="Arial" panose="020B0604020202020204" pitchFamily="34" charset="0"/>
-              </a:rPr>
-              <a:t>), Malang, Indonesia, 2023, pp. 229-234, </a:t>
-            </a:r>
-            <a:r>
-              <a:rPr lang="en-GB" sz="2000" b="1" i="0" cap="all" dirty="0" err="1">
-                <a:solidFill>
-                  <a:srgbClr val="000000"/>
-                </a:solidFill>
-                <a:effectLst/>
-                <a:latin typeface="Arial" panose="020B0604020202020204" pitchFamily="34" charset="0"/>
-                <a:cs typeface="Arial" panose="020B0604020202020204" pitchFamily="34" charset="0"/>
-              </a:rPr>
-              <a:t>doi</a:t>
-            </a:r>
-            <a:r>
-              <a:rPr lang="en-GB" sz="2000" b="1" i="0" cap="all" dirty="0">
-                <a:solidFill>
-                  <a:srgbClr val="000000"/>
-                </a:solidFill>
-                <a:effectLst/>
-                <a:latin typeface="Arial" panose="020B0604020202020204" pitchFamily="34" charset="0"/>
-                <a:cs typeface="Arial" panose="020B0604020202020204" pitchFamily="34" charset="0"/>
-              </a:rPr>
-              <a:t>: 10.1109/ICIMTech59029.2023.10277881.</a:t>
+              <a:t>: 10.1109/DELCON54057.2022.9753080.</a:t>
             </a:r>
           </a:p>
           <a:p>
@@ -6400,7 +6934,7 @@
                 <a:latin typeface="Arial" panose="020B0604020202020204" pitchFamily="34" charset="0"/>
                 <a:cs typeface="Arial" panose="020B0604020202020204" pitchFamily="34" charset="0"/>
               </a:rPr>
-              <a:t>[2] A. </a:t>
+              <a:t>[7] Z. </a:t>
             </a:r>
             <a:r>
               <a:rPr lang="en-GB" sz="2000" b="1" i="0" cap="all" dirty="0" err="1">
@@ -6411,7 +6945,7 @@
                 <a:latin typeface="Arial" panose="020B0604020202020204" pitchFamily="34" charset="0"/>
                 <a:cs typeface="Arial" panose="020B0604020202020204" pitchFamily="34" charset="0"/>
               </a:rPr>
-              <a:t>Hermanto</a:t>
+              <a:t>Momand</a:t>
             </a:r>
             <a:r>
               <a:rPr lang="en-GB" sz="2000" b="1" i="0" cap="all" dirty="0">
@@ -6422,7 +6956,7 @@
                 <a:latin typeface="Arial" panose="020B0604020202020204" pitchFamily="34" charset="0"/>
                 <a:cs typeface="Arial" panose="020B0604020202020204" pitchFamily="34" charset="0"/>
               </a:rPr>
-              <a:t> et al., ”Prediction of Nutritional Requirements for </a:t>
+              <a:t>, P. </a:t>
             </a:r>
             <a:r>
               <a:rPr lang="en-GB" sz="2000" b="1" i="0" cap="all" dirty="0" err="1">
@@ -6433,6 +6967,50 @@
                 <a:latin typeface="Arial" panose="020B0604020202020204" pitchFamily="34" charset="0"/>
                 <a:cs typeface="Arial" panose="020B0604020202020204" pitchFamily="34" charset="0"/>
               </a:rPr>
+              <a:t>Mongkolnam</a:t>
+            </a:r>
+            <a:r>
+              <a:rPr lang="en-GB" sz="2000" b="1" i="0" cap="all" dirty="0">
+                <a:solidFill>
+                  <a:srgbClr val="000000"/>
+                </a:solidFill>
+                <a:effectLst/>
+                <a:latin typeface="Arial" panose="020B0604020202020204" pitchFamily="34" charset="0"/>
+                <a:cs typeface="Arial" panose="020B0604020202020204" pitchFamily="34" charset="0"/>
+              </a:rPr>
+              <a:t>, P. </a:t>
+            </a:r>
+            <a:r>
+              <a:rPr lang="en-GB" sz="2000" b="1" i="0" cap="all" dirty="0" err="1">
+                <a:solidFill>
+                  <a:srgbClr val="000000"/>
+                </a:solidFill>
+                <a:effectLst/>
+                <a:latin typeface="Arial" panose="020B0604020202020204" pitchFamily="34" charset="0"/>
+                <a:cs typeface="Arial" panose="020B0604020202020204" pitchFamily="34" charset="0"/>
+              </a:rPr>
+              <a:t>Kositpanthavong</a:t>
+            </a:r>
+            <a:r>
+              <a:rPr lang="en-GB" sz="2000" b="1" i="0" cap="all" dirty="0">
+                <a:solidFill>
+                  <a:srgbClr val="000000"/>
+                </a:solidFill>
+                <a:effectLst/>
+                <a:latin typeface="Arial" panose="020B0604020202020204" pitchFamily="34" charset="0"/>
+                <a:cs typeface="Arial" panose="020B0604020202020204" pitchFamily="34" charset="0"/>
+              </a:rPr>
+              <a:t> and J. H. Chan, ”Data Mining Based Prediction of Malnutrition in Afghan </a:t>
+            </a:r>
+            <a:r>
+              <a:rPr lang="en-GB" sz="2000" b="1" i="0" cap="all" dirty="0" err="1">
+                <a:solidFill>
+                  <a:srgbClr val="000000"/>
+                </a:solidFill>
+                <a:effectLst/>
+                <a:latin typeface="Arial" panose="020B0604020202020204" pitchFamily="34" charset="0"/>
+                <a:cs typeface="Arial" panose="020B0604020202020204" pitchFamily="34" charset="0"/>
+              </a:rPr>
               <a:t>Chil</a:t>
             </a:r>
             <a:r>
@@ -6455,7 +7033,7 @@
                 <a:latin typeface="Arial" panose="020B0604020202020204" pitchFamily="34" charset="0"/>
                 <a:cs typeface="Arial" panose="020B0604020202020204" pitchFamily="34" charset="0"/>
               </a:rPr>
-              <a:t>dren’s</a:t>
+              <a:t>dren</a:t>
             </a:r>
             <a:r>
               <a:rPr lang="en-GB" sz="2000" b="1" i="0" cap="all" dirty="0">
@@ -6466,7 +7044,7 @@
                 <a:latin typeface="Arial" panose="020B0604020202020204" pitchFamily="34" charset="0"/>
                 <a:cs typeface="Arial" panose="020B0604020202020204" pitchFamily="34" charset="0"/>
               </a:rPr>
-              <a:t> Growth and Adolescents using Machine Learning,” 2022 Inter national Seminar on Application for Technology of Information and Communication (</a:t>
+              <a:t>,” 2020 12th International Conference on Knowledge and Smart Technology (KST), Pattaya, Thailand, 2020, pp. 12-17, </a:t>
             </a:r>
             <a:r>
               <a:rPr lang="en-GB" sz="2000" b="1" i="0" cap="all" dirty="0" err="1">
@@ -6477,7 +7055,7 @@
                 <a:latin typeface="Arial" panose="020B0604020202020204" pitchFamily="34" charset="0"/>
                 <a:cs typeface="Arial" panose="020B0604020202020204" pitchFamily="34" charset="0"/>
               </a:rPr>
-              <a:t>iSemantic</a:t>
+              <a:t>doi</a:t>
             </a:r>
             <a:r>
               <a:rPr lang="en-GB" sz="2000" b="1" i="0" cap="all" dirty="0">
@@ -6488,33 +7066,11 @@
                 <a:latin typeface="Arial" panose="020B0604020202020204" pitchFamily="34" charset="0"/>
                 <a:cs typeface="Arial" panose="020B0604020202020204" pitchFamily="34" charset="0"/>
               </a:rPr>
-              <a:t>), Semarang, Indonesia, 2022, pp. 263-267, </a:t>
-            </a:r>
-            <a:r>
-              <a:rPr lang="en-GB" sz="2000" b="1" i="0" cap="all" dirty="0" err="1">
-                <a:solidFill>
-                  <a:srgbClr val="000000"/>
-                </a:solidFill>
-                <a:effectLst/>
-                <a:latin typeface="Arial" panose="020B0604020202020204" pitchFamily="34" charset="0"/>
-                <a:cs typeface="Arial" panose="020B0604020202020204" pitchFamily="34" charset="0"/>
-              </a:rPr>
-              <a:t>doi</a:t>
-            </a:r>
-            <a:r>
-              <a:rPr lang="en-GB" sz="2000" b="1" i="0" cap="all" dirty="0">
-                <a:solidFill>
-                  <a:srgbClr val="000000"/>
-                </a:solidFill>
-                <a:effectLst/>
-                <a:latin typeface="Arial" panose="020B0604020202020204" pitchFamily="34" charset="0"/>
-                <a:cs typeface="Arial" panose="020B0604020202020204" pitchFamily="34" charset="0"/>
-              </a:rPr>
-              <a:t>: 10.1109/iSemantic55962.2022.9920443.</a:t>
-            </a:r>
-          </a:p>
-          <a:p>
-            <a:endParaRPr lang="en-GB" sz="2000" cap="all" dirty="0">
+              <a:t>: 10.1109/KST48564.2020.9059388.</a:t>
+            </a:r>
+          </a:p>
+          <a:p>
+            <a:endParaRPr lang="en-GB" sz="2000" b="1" cap="all" dirty="0">
               <a:solidFill>
                 <a:srgbClr val="000000"/>
               </a:solidFill>
@@ -6533,7 +7089,7 @@
                 <a:latin typeface="Arial" panose="020B0604020202020204" pitchFamily="34" charset="0"/>
                 <a:cs typeface="Arial" panose="020B0604020202020204" pitchFamily="34" charset="0"/>
               </a:rPr>
-              <a:t>[3] M. </a:t>
+              <a:t>[8] J. Chen, R. </a:t>
             </a:r>
             <a:r>
               <a:rPr lang="en-GB" sz="2000" b="1" i="0" cap="all" dirty="0" err="1">
@@ -6544,7 +7100,7 @@
                 <a:latin typeface="Arial" panose="020B0604020202020204" pitchFamily="34" charset="0"/>
                 <a:cs typeface="Arial" panose="020B0604020202020204" pitchFamily="34" charset="0"/>
               </a:rPr>
-              <a:t>Zarlis</a:t>
+              <a:t>Soangra</a:t>
             </a:r>
             <a:r>
               <a:rPr lang="en-GB" sz="2000" b="1" i="0" cap="all" dirty="0">
@@ -6555,7 +7111,7 @@
                 <a:latin typeface="Arial" panose="020B0604020202020204" pitchFamily="34" charset="0"/>
                 <a:cs typeface="Arial" panose="020B0604020202020204" pitchFamily="34" charset="0"/>
               </a:rPr>
-              <a:t>, T. </a:t>
+              <a:t>, M. Grant-</a:t>
             </a:r>
             <a:r>
               <a:rPr lang="en-GB" sz="2000" b="1" i="0" cap="all" dirty="0" err="1">
@@ -6566,7 +7122,7 @@
                 <a:latin typeface="Arial" panose="020B0604020202020204" pitchFamily="34" charset="0"/>
                 <a:cs typeface="Arial" panose="020B0604020202020204" pitchFamily="34" charset="0"/>
               </a:rPr>
-              <a:t>Oktavia</a:t>
+              <a:t>Beuttler</a:t>
             </a:r>
             <a:r>
               <a:rPr lang="en-GB" sz="2000" b="1" i="0" cap="all" dirty="0">
@@ -6577,7 +7133,7 @@
                 <a:latin typeface="Arial" panose="020B0604020202020204" pitchFamily="34" charset="0"/>
                 <a:cs typeface="Arial" panose="020B0604020202020204" pitchFamily="34" charset="0"/>
               </a:rPr>
-              <a:t>, R. </a:t>
+              <a:t>, Y. A. </a:t>
             </a:r>
             <a:r>
               <a:rPr lang="en-GB" sz="2000" b="1" i="0" cap="all" dirty="0" err="1">
@@ -6588,7 +7144,7 @@
                 <a:latin typeface="Arial" panose="020B0604020202020204" pitchFamily="34" charset="0"/>
                 <a:cs typeface="Arial" panose="020B0604020202020204" pitchFamily="34" charset="0"/>
               </a:rPr>
-              <a:t>Buaton</a:t>
+              <a:t>Nanehkaran</a:t>
             </a:r>
             <a:r>
               <a:rPr lang="en-GB" sz="2000" b="1" i="0" cap="all" dirty="0">
@@ -6599,7 +7155,7 @@
                 <a:latin typeface="Arial" panose="020B0604020202020204" pitchFamily="34" charset="0"/>
                 <a:cs typeface="Arial" panose="020B0604020202020204" pitchFamily="34" charset="0"/>
               </a:rPr>
-              <a:t>, F. </a:t>
+              <a:t> and Y. Wen, ”Dense Attention Convolutional Neural Networks for Toe Walking Recognition,” in IEEE Transactions on Neural Systems and Rehabilitation Engineering, vol. 31, pp. 2235-2245, 2023, </a:t>
             </a:r>
             <a:r>
               <a:rPr lang="en-GB" sz="2000" b="1" i="0" cap="all" dirty="0" err="1">
@@ -6610,7 +7166,7 @@
                 <a:latin typeface="Arial" panose="020B0604020202020204" pitchFamily="34" charset="0"/>
                 <a:cs typeface="Arial" panose="020B0604020202020204" pitchFamily="34" charset="0"/>
               </a:rPr>
-              <a:t>Ernawan</a:t>
+              <a:t>doi</a:t>
             </a:r>
             <a:r>
               <a:rPr lang="en-GB" sz="2000" b="1" i="0" cap="all" dirty="0">
@@ -6621,165 +7177,11 @@
                 <a:latin typeface="Arial" panose="020B0604020202020204" pitchFamily="34" charset="0"/>
                 <a:cs typeface="Arial" panose="020B0604020202020204" pitchFamily="34" charset="0"/>
               </a:rPr>
-              <a:t> and K. </a:t>
-            </a:r>
-            <a:r>
-              <a:rPr lang="en-GB" sz="2000" b="1" i="0" cap="all" dirty="0" err="1">
-                <a:solidFill>
-                  <a:srgbClr val="000000"/>
-                </a:solidFill>
-                <a:effectLst/>
-                <a:latin typeface="Arial" panose="020B0604020202020204" pitchFamily="34" charset="0"/>
-                <a:cs typeface="Arial" panose="020B0604020202020204" pitchFamily="34" charset="0"/>
-              </a:rPr>
-              <a:t>Andrian</a:t>
-            </a:r>
-            <a:r>
-              <a:rPr lang="en-GB" sz="2000" b="1" i="0" cap="all" dirty="0">
-                <a:solidFill>
-                  <a:srgbClr val="000000"/>
-                </a:solidFill>
-                <a:effectLst/>
-                <a:latin typeface="Arial" panose="020B0604020202020204" pitchFamily="34" charset="0"/>
-                <a:cs typeface="Arial" panose="020B0604020202020204" pitchFamily="34" charset="0"/>
-              </a:rPr>
-              <a:t>, ”</a:t>
-            </a:r>
-            <a:r>
-              <a:rPr lang="en-GB" sz="2000" b="1" i="0" cap="all" dirty="0" err="1">
-                <a:solidFill>
-                  <a:srgbClr val="000000"/>
-                </a:solidFill>
-                <a:effectLst/>
-                <a:latin typeface="Arial" panose="020B0604020202020204" pitchFamily="34" charset="0"/>
-                <a:cs typeface="Arial" panose="020B0604020202020204" pitchFamily="34" charset="0"/>
-              </a:rPr>
-              <a:t>Minimiz</a:t>
-            </a:r>
-            <a:r>
-              <a:rPr lang="en-GB" sz="2000" b="1" i="0" cap="all" dirty="0">
-                <a:solidFill>
-                  <a:srgbClr val="000000"/>
-                </a:solidFill>
-                <a:effectLst/>
-                <a:latin typeface="Arial" panose="020B0604020202020204" pitchFamily="34" charset="0"/>
-                <a:cs typeface="Arial" panose="020B0604020202020204" pitchFamily="34" charset="0"/>
-              </a:rPr>
-              <a:t> </a:t>
-            </a:r>
-            <a:r>
-              <a:rPr lang="en-GB" sz="2000" b="1" i="0" cap="all" dirty="0" err="1">
-                <a:solidFill>
-                  <a:srgbClr val="000000"/>
-                </a:solidFill>
-                <a:effectLst/>
-                <a:latin typeface="Arial" panose="020B0604020202020204" pitchFamily="34" charset="0"/>
-                <a:cs typeface="Arial" panose="020B0604020202020204" pitchFamily="34" charset="0"/>
-              </a:rPr>
-              <a:t>ing</a:t>
-            </a:r>
-            <a:r>
-              <a:rPr lang="en-GB" sz="2000" b="1" i="0" cap="all" dirty="0">
-                <a:solidFill>
-                  <a:srgbClr val="000000"/>
-                </a:solidFill>
-                <a:effectLst/>
-                <a:latin typeface="Arial" panose="020B0604020202020204" pitchFamily="34" charset="0"/>
-                <a:cs typeface="Arial" panose="020B0604020202020204" pitchFamily="34" charset="0"/>
-              </a:rPr>
-              <a:t> the Number of Stunting Prevalence Using the Euclid Algorithm </a:t>
-            </a:r>
-            <a:r>
-              <a:rPr lang="en-GB" sz="2000" b="1" i="0" cap="all" dirty="0" err="1">
-                <a:solidFill>
-                  <a:srgbClr val="000000"/>
-                </a:solidFill>
-                <a:effectLst/>
-                <a:latin typeface="Arial" panose="020B0604020202020204" pitchFamily="34" charset="0"/>
-                <a:cs typeface="Arial" panose="020B0604020202020204" pitchFamily="34" charset="0"/>
-              </a:rPr>
-              <a:t>Clus</a:t>
-            </a:r>
-            <a:r>
-              <a:rPr lang="en-GB" sz="2000" b="1" i="0" cap="all" dirty="0">
-                <a:solidFill>
-                  <a:srgbClr val="000000"/>
-                </a:solidFill>
-                <a:effectLst/>
-                <a:latin typeface="Arial" panose="020B0604020202020204" pitchFamily="34" charset="0"/>
-                <a:cs typeface="Arial" panose="020B0604020202020204" pitchFamily="34" charset="0"/>
-              </a:rPr>
-              <a:t> </a:t>
-            </a:r>
-            <a:r>
-              <a:rPr lang="en-GB" sz="2000" b="1" i="0" cap="all" dirty="0" err="1">
-                <a:solidFill>
-                  <a:srgbClr val="000000"/>
-                </a:solidFill>
-                <a:effectLst/>
-                <a:latin typeface="Arial" panose="020B0604020202020204" pitchFamily="34" charset="0"/>
-                <a:cs typeface="Arial" panose="020B0604020202020204" pitchFamily="34" charset="0"/>
-              </a:rPr>
-              <a:t>tering</a:t>
-            </a:r>
-            <a:r>
-              <a:rPr lang="en-GB" sz="2000" b="1" i="0" cap="all" dirty="0">
-                <a:solidFill>
-                  <a:srgbClr val="000000"/>
-                </a:solidFill>
-                <a:effectLst/>
-                <a:latin typeface="Arial" panose="020B0604020202020204" pitchFamily="34" charset="0"/>
-                <a:cs typeface="Arial" panose="020B0604020202020204" pitchFamily="34" charset="0"/>
-              </a:rPr>
-              <a:t> Approach,” 2023 International Conference of Computer Science and Information Technology (ICOSNIKOM), </a:t>
-            </a:r>
-            <a:r>
-              <a:rPr lang="en-GB" sz="2000" b="1" i="0" cap="all" dirty="0" err="1">
-                <a:solidFill>
-                  <a:srgbClr val="000000"/>
-                </a:solidFill>
-                <a:effectLst/>
-                <a:latin typeface="Arial" panose="020B0604020202020204" pitchFamily="34" charset="0"/>
-                <a:cs typeface="Arial" panose="020B0604020202020204" pitchFamily="34" charset="0"/>
-              </a:rPr>
-              <a:t>Binjia</a:t>
-            </a:r>
-            <a:r>
-              <a:rPr lang="en-GB" sz="2000" b="1" i="0" cap="all" dirty="0">
-                <a:solidFill>
-                  <a:srgbClr val="000000"/>
-                </a:solidFill>
-                <a:effectLst/>
-                <a:latin typeface="Arial" panose="020B0604020202020204" pitchFamily="34" charset="0"/>
-                <a:cs typeface="Arial" panose="020B0604020202020204" pitchFamily="34" charset="0"/>
-              </a:rPr>
-              <a:t>, Indonesia, 2023, pp. 1-7, </a:t>
-            </a:r>
-            <a:r>
-              <a:rPr lang="en-GB" sz="2000" b="1" i="0" cap="all" dirty="0" err="1">
-                <a:solidFill>
-                  <a:srgbClr val="000000"/>
-                </a:solidFill>
-                <a:effectLst/>
-                <a:latin typeface="Arial" panose="020B0604020202020204" pitchFamily="34" charset="0"/>
-                <a:cs typeface="Arial" panose="020B0604020202020204" pitchFamily="34" charset="0"/>
-              </a:rPr>
-              <a:t>doi</a:t>
-            </a:r>
-            <a:r>
-              <a:rPr lang="en-GB" sz="2000" b="1" i="0" cap="all" dirty="0">
-                <a:solidFill>
-                  <a:srgbClr val="000000"/>
-                </a:solidFill>
-                <a:effectLst/>
-                <a:latin typeface="Arial" panose="020B0604020202020204" pitchFamily="34" charset="0"/>
-                <a:cs typeface="Arial" panose="020B0604020202020204" pitchFamily="34" charset="0"/>
-              </a:rPr>
-              <a:t>: 10.1109/ICoSNIKOM60230.2023.10364489.</a:t>
-            </a:r>
-          </a:p>
-          <a:p>
-            <a:endParaRPr lang="en-GB" sz="2000" cap="all" dirty="0">
+              <a:t>: 10.1109/TNSRE.2023.3272362. </a:t>
+            </a:r>
+          </a:p>
+          <a:p>
+            <a:endParaRPr lang="en-GB" sz="2000" b="1" cap="all" dirty="0">
               <a:solidFill>
                 <a:srgbClr val="000000"/>
               </a:solidFill>
@@ -6798,7 +7200,7 @@
                 <a:latin typeface="Arial" panose="020B0604020202020204" pitchFamily="34" charset="0"/>
                 <a:cs typeface="Arial" panose="020B0604020202020204" pitchFamily="34" charset="0"/>
               </a:rPr>
-              <a:t>[4] R. A. </a:t>
+              <a:t>[9] S. E S, G. N. Sundar and D. </a:t>
             </a:r>
             <a:r>
               <a:rPr lang="en-GB" sz="2000" b="1" i="0" cap="all" dirty="0" err="1">
@@ -6809,7 +7211,7 @@
                 <a:latin typeface="Arial" panose="020B0604020202020204" pitchFamily="34" charset="0"/>
                 <a:cs typeface="Arial" panose="020B0604020202020204" pitchFamily="34" charset="0"/>
               </a:rPr>
-              <a:t>Rahma</a:t>
+              <a:t>Narmadha</a:t>
             </a:r>
             <a:r>
               <a:rPr lang="en-GB" sz="2000" b="1" i="0" cap="all" dirty="0">
@@ -6820,7 +7222,7 @@
                 <a:latin typeface="Arial" panose="020B0604020202020204" pitchFamily="34" charset="0"/>
                 <a:cs typeface="Arial" panose="020B0604020202020204" pitchFamily="34" charset="0"/>
               </a:rPr>
-              <a:t>, U. </a:t>
+              <a:t>, ”An Investigation on Impact of Malnutrition in Human Health and Technique to Evaluate the Nutrient Intake from the Food Image,” 2022 IEEE International Power and Renewable Energy Conference (IPRECON), Kollam, India, 2022, pp. 1-5, </a:t>
             </a:r>
             <a:r>
               <a:rPr lang="en-GB" sz="2000" b="1" i="0" cap="all" dirty="0" err="1">
@@ -6831,7 +7233,7 @@
                 <a:latin typeface="Arial" panose="020B0604020202020204" pitchFamily="34" charset="0"/>
                 <a:cs typeface="Arial" panose="020B0604020202020204" pitchFamily="34" charset="0"/>
               </a:rPr>
-              <a:t>Dayati</a:t>
+              <a:t>doi</a:t>
             </a:r>
             <a:r>
               <a:rPr lang="en-GB" sz="2000" b="1" i="0" cap="all" dirty="0">
@@ -6842,121 +7244,11 @@
                 <a:latin typeface="Arial" panose="020B0604020202020204" pitchFamily="34" charset="0"/>
                 <a:cs typeface="Arial" panose="020B0604020202020204" pitchFamily="34" charset="0"/>
               </a:rPr>
-              <a:t>, E. S. </a:t>
-            </a:r>
-            <a:r>
-              <a:rPr lang="en-GB" sz="2000" b="1" i="0" cap="all" dirty="0" err="1">
-                <a:solidFill>
-                  <a:srgbClr val="000000"/>
-                </a:solidFill>
-                <a:effectLst/>
-                <a:latin typeface="Arial" panose="020B0604020202020204" pitchFamily="34" charset="0"/>
-                <a:cs typeface="Arial" panose="020B0604020202020204" pitchFamily="34" charset="0"/>
-              </a:rPr>
-              <a:t>Desyanty</a:t>
-            </a:r>
-            <a:r>
-              <a:rPr lang="en-GB" sz="2000" b="1" i="0" cap="all" dirty="0">
-                <a:solidFill>
-                  <a:srgbClr val="000000"/>
-                </a:solidFill>
-                <a:effectLst/>
-                <a:latin typeface="Arial" panose="020B0604020202020204" pitchFamily="34" charset="0"/>
-                <a:cs typeface="Arial" panose="020B0604020202020204" pitchFamily="34" charset="0"/>
-              </a:rPr>
-              <a:t> and R. A. </a:t>
-            </a:r>
-            <a:r>
-              <a:rPr lang="en-GB" sz="2000" b="1" i="0" cap="all" dirty="0" err="1">
-                <a:solidFill>
-                  <a:srgbClr val="000000"/>
-                </a:solidFill>
-                <a:effectLst/>
-                <a:latin typeface="Arial" panose="020B0604020202020204" pitchFamily="34" charset="0"/>
-                <a:cs typeface="Arial" panose="020B0604020202020204" pitchFamily="34" charset="0"/>
-              </a:rPr>
-              <a:t>Listyaningrum</a:t>
-            </a:r>
-            <a:r>
-              <a:rPr lang="en-GB" sz="2000" b="1" i="0" cap="all" dirty="0">
-                <a:solidFill>
-                  <a:srgbClr val="000000"/>
-                </a:solidFill>
-                <a:effectLst/>
-                <a:latin typeface="Arial" panose="020B0604020202020204" pitchFamily="34" charset="0"/>
-                <a:cs typeface="Arial" panose="020B0604020202020204" pitchFamily="34" charset="0"/>
-              </a:rPr>
-              <a:t>, ”Development of a Technology-Based Parenting Support </a:t>
-            </a:r>
-            <a:r>
-              <a:rPr lang="en-GB" sz="2000" b="1" i="0" cap="all" dirty="0" err="1">
-                <a:solidFill>
-                  <a:srgbClr val="000000"/>
-                </a:solidFill>
-                <a:effectLst/>
-                <a:latin typeface="Arial" panose="020B0604020202020204" pitchFamily="34" charset="0"/>
-                <a:cs typeface="Arial" panose="020B0604020202020204" pitchFamily="34" charset="0"/>
-              </a:rPr>
-              <a:t>Center</a:t>
-            </a:r>
-            <a:r>
-              <a:rPr lang="en-GB" sz="2000" b="1" i="0" cap="all" dirty="0">
-                <a:solidFill>
-                  <a:srgbClr val="000000"/>
-                </a:solidFill>
-                <a:effectLst/>
-                <a:latin typeface="Arial" panose="020B0604020202020204" pitchFamily="34" charset="0"/>
-                <a:cs typeface="Arial" panose="020B0604020202020204" pitchFamily="34" charset="0"/>
-              </a:rPr>
-              <a:t> Model to Support Stunting Reduction Programs,” 2022 8th International Con </a:t>
-            </a:r>
-            <a:r>
-              <a:rPr lang="en-GB" sz="2000" b="1" i="0" cap="all" dirty="0" err="1">
-                <a:solidFill>
-                  <a:srgbClr val="000000"/>
-                </a:solidFill>
-                <a:effectLst/>
-                <a:latin typeface="Arial" panose="020B0604020202020204" pitchFamily="34" charset="0"/>
-                <a:cs typeface="Arial" panose="020B0604020202020204" pitchFamily="34" charset="0"/>
-              </a:rPr>
-              <a:t>ference</a:t>
-            </a:r>
-            <a:r>
-              <a:rPr lang="en-GB" sz="2000" b="1" i="0" cap="all" dirty="0">
-                <a:solidFill>
-                  <a:srgbClr val="000000"/>
-                </a:solidFill>
-                <a:effectLst/>
-                <a:latin typeface="Arial" panose="020B0604020202020204" pitchFamily="34" charset="0"/>
-                <a:cs typeface="Arial" panose="020B0604020202020204" pitchFamily="34" charset="0"/>
-              </a:rPr>
-              <a:t> on Education and Technology (ICET), Malang, Indonesia, 2022, pp. 177-184, </a:t>
-            </a:r>
-            <a:r>
-              <a:rPr lang="en-GB" sz="2000" b="1" i="0" cap="all" dirty="0" err="1">
-                <a:solidFill>
-                  <a:srgbClr val="000000"/>
-                </a:solidFill>
-                <a:effectLst/>
-                <a:latin typeface="Arial" panose="020B0604020202020204" pitchFamily="34" charset="0"/>
-                <a:cs typeface="Arial" panose="020B0604020202020204" pitchFamily="34" charset="0"/>
-              </a:rPr>
-              <a:t>doi</a:t>
-            </a:r>
-            <a:r>
-              <a:rPr lang="en-GB" sz="2000" b="1" i="0" cap="all" dirty="0">
-                <a:solidFill>
-                  <a:srgbClr val="000000"/>
-                </a:solidFill>
-                <a:effectLst/>
-                <a:latin typeface="Arial" panose="020B0604020202020204" pitchFamily="34" charset="0"/>
-                <a:cs typeface="Arial" panose="020B0604020202020204" pitchFamily="34" charset="0"/>
-              </a:rPr>
-              <a:t>: 10.1109/ICET56879.2022.9990871.</a:t>
-            </a:r>
-          </a:p>
-          <a:p>
-            <a:endParaRPr lang="en-GB" sz="2000" cap="all" dirty="0">
+              <a:t>: 10.1109/IPRECON55716.2022.10059560.</a:t>
+            </a:r>
+          </a:p>
+          <a:p>
+            <a:endParaRPr lang="en-GB" sz="2000" b="1" cap="all" dirty="0">
               <a:solidFill>
                 <a:srgbClr val="000000"/>
               </a:solidFill>
@@ -6975,7 +7267,7 @@
                 <a:latin typeface="Arial" panose="020B0604020202020204" pitchFamily="34" charset="0"/>
                 <a:cs typeface="Arial" panose="020B0604020202020204" pitchFamily="34" charset="0"/>
               </a:rPr>
-              <a:t>[5] R. Joseph, V. Sawant, S. </a:t>
+              <a:t>[10] S. </a:t>
             </a:r>
             <a:r>
               <a:rPr lang="en-GB" sz="2000" b="1" i="0" cap="all" dirty="0" err="1">
@@ -6986,7 +7278,7 @@
                 <a:latin typeface="Arial" panose="020B0604020202020204" pitchFamily="34" charset="0"/>
                 <a:cs typeface="Arial" panose="020B0604020202020204" pitchFamily="34" charset="0"/>
               </a:rPr>
-              <a:t>Shenai</a:t>
+              <a:t>Bonaldo</a:t>
             </a:r>
             <a:r>
               <a:rPr lang="en-GB" sz="2000" b="1" i="0" cap="all" dirty="0">
@@ -6997,7 +7289,7 @@
                 <a:latin typeface="Arial" panose="020B0604020202020204" pitchFamily="34" charset="0"/>
                 <a:cs typeface="Arial" panose="020B0604020202020204" pitchFamily="34" charset="0"/>
               </a:rPr>
-              <a:t>, M. </a:t>
+              <a:t>, F. Dal Lago, G. </a:t>
             </a:r>
             <a:r>
               <a:rPr lang="en-GB" sz="2000" b="1" i="0" cap="all" dirty="0" err="1">
@@ -7008,7 +7300,7 @@
                 <a:latin typeface="Arial" panose="020B0604020202020204" pitchFamily="34" charset="0"/>
                 <a:cs typeface="Arial" panose="020B0604020202020204" pitchFamily="34" charset="0"/>
               </a:rPr>
-              <a:t>Paryani</a:t>
+              <a:t>Putoto</a:t>
             </a:r>
             <a:r>
               <a:rPr lang="en-GB" sz="2000" b="1" i="0" cap="all" dirty="0">
@@ -7019,7 +7311,7 @@
                 <a:latin typeface="Arial" panose="020B0604020202020204" pitchFamily="34" charset="0"/>
                 <a:cs typeface="Arial" panose="020B0604020202020204" pitchFamily="34" charset="0"/>
               </a:rPr>
-              <a:t> and G. Patil, ”Machine Learning based Factors affecting Malnutrition and </a:t>
+              <a:t>, L. Dal Lago, E. </a:t>
             </a:r>
             <a:r>
               <a:rPr lang="en-GB" sz="2000" b="1" i="0" cap="all" dirty="0" err="1">
@@ -7030,7 +7322,7 @@
                 <a:latin typeface="Arial" panose="020B0604020202020204" pitchFamily="34" charset="0"/>
                 <a:cs typeface="Arial" panose="020B0604020202020204" pitchFamily="34" charset="0"/>
               </a:rPr>
-              <a:t>Anemia</a:t>
+              <a:t>Griggio</a:t>
             </a:r>
             <a:r>
               <a:rPr lang="en-GB" sz="2000" b="1" i="0" cap="all" dirty="0">
@@ -7041,7 +7333,7 @@
                 <a:latin typeface="Arial" panose="020B0604020202020204" pitchFamily="34" charset="0"/>
                 <a:cs typeface="Arial" panose="020B0604020202020204" pitchFamily="34" charset="0"/>
               </a:rPr>
-              <a:t> among children in India,” 2022 6th International Conference on Intelligent Computing and Control Systems (ICICCS), Madurai, India, 2022, pp. 1826-1833, </a:t>
+              <a:t> and A. </a:t>
             </a:r>
             <a:r>
               <a:rPr lang="en-GB" sz="2000" b="1" i="0" cap="all" dirty="0" err="1">
@@ -7052,6 +7344,50 @@
                 <a:latin typeface="Arial" panose="020B0604020202020204" pitchFamily="34" charset="0"/>
                 <a:cs typeface="Arial" panose="020B0604020202020204" pitchFamily="34" charset="0"/>
               </a:rPr>
+              <a:t>Paccagnella</a:t>
+            </a:r>
+            <a:r>
+              <a:rPr lang="en-GB" sz="2000" b="1" i="0" cap="all" dirty="0">
+                <a:solidFill>
+                  <a:srgbClr val="000000"/>
+                </a:solidFill>
+                <a:effectLst/>
+                <a:latin typeface="Arial" panose="020B0604020202020204" pitchFamily="34" charset="0"/>
+                <a:cs typeface="Arial" panose="020B0604020202020204" pitchFamily="34" charset="0"/>
+              </a:rPr>
+              <a:t>, ”Portable Digital Stadiometer for Assessing the Degree of Childhood Malnutrition in Low-Income Countries,” 2021 IEEE Interna </a:t>
+            </a:r>
+            <a:r>
+              <a:rPr lang="en-GB" sz="2000" b="1" i="0" cap="all" dirty="0" err="1">
+                <a:solidFill>
+                  <a:srgbClr val="000000"/>
+                </a:solidFill>
+                <a:effectLst/>
+                <a:latin typeface="Arial" panose="020B0604020202020204" pitchFamily="34" charset="0"/>
+                <a:cs typeface="Arial" panose="020B0604020202020204" pitchFamily="34" charset="0"/>
+              </a:rPr>
+              <a:t>tional</a:t>
+            </a:r>
+            <a:r>
+              <a:rPr lang="en-GB" sz="2000" b="1" i="0" cap="all" dirty="0">
+                <a:solidFill>
+                  <a:srgbClr val="000000"/>
+                </a:solidFill>
+                <a:effectLst/>
+                <a:latin typeface="Arial" panose="020B0604020202020204" pitchFamily="34" charset="0"/>
+                <a:cs typeface="Arial" panose="020B0604020202020204" pitchFamily="34" charset="0"/>
+              </a:rPr>
+              <a:t> Humanitarian Technology Conference (IHTC), United Kingdom, 2021, pp. 1-8, </a:t>
+            </a:r>
+            <a:r>
+              <a:rPr lang="en-GB" sz="2000" b="1" i="0" cap="all" dirty="0" err="1">
+                <a:solidFill>
+                  <a:srgbClr val="000000"/>
+                </a:solidFill>
+                <a:effectLst/>
+                <a:latin typeface="Arial" panose="020B0604020202020204" pitchFamily="34" charset="0"/>
+                <a:cs typeface="Arial" panose="020B0604020202020204" pitchFamily="34" charset="0"/>
+              </a:rPr>
               <a:t>doi</a:t>
             </a:r>
             <a:r>
@@ -7063,9 +7399,9 @@
                 <a:latin typeface="Arial" panose="020B0604020202020204" pitchFamily="34" charset="0"/>
                 <a:cs typeface="Arial" panose="020B0604020202020204" pitchFamily="34" charset="0"/>
               </a:rPr>
-              <a:t>: 10.1109/ICICCS53718.2022.9788386.</a:t>
-            </a:r>
-            <a:endParaRPr lang="en-GB" sz="2000" cap="all" dirty="0">
+              <a:t>: 10.1109/IHTC53077.2021.9698950</a:t>
+            </a:r>
+            <a:endParaRPr lang="en-GB" sz="2000" b="1" cap="all" dirty="0">
               <a:solidFill>
                 <a:srgbClr val="000000"/>
               </a:solidFill>
@@ -7074,6 +7410,16 @@
               <a:cs typeface="Arial" panose="020B0604020202020204" pitchFamily="34" charset="0"/>
             </a:endParaRPr>
           </a:p>
+          <a:p>
+            <a:endParaRPr lang="en-GB" sz="2000" b="1" cap="all" dirty="0">
+              <a:solidFill>
+                <a:srgbClr val="000000"/>
+              </a:solidFill>
+              <a:effectLst/>
+              <a:latin typeface="Arial" panose="020B0604020202020204" pitchFamily="34" charset="0"/>
+              <a:cs typeface="Arial" panose="020B0604020202020204" pitchFamily="34" charset="0"/>
+            </a:endParaRPr>
+          </a:p>
         </p:txBody>
       </p:sp>
       <p:sp>
@@ -7081,7 +7427,7 @@
           <p:cNvPr id="6" name="Slide Number Placeholder 5">
             <a:extLst>
               <a:ext uri="{FF2B5EF4-FFF2-40B4-BE49-F238E27FC236}">
-                <a16:creationId xmlns:a16="http://schemas.microsoft.com/office/drawing/2014/main" xmlns="" id="{520F8E7E-3547-12C3-515A-56FE50AD272A}"/>
+                <a16:creationId xmlns="" xmlns:a16="http://schemas.microsoft.com/office/drawing/2014/main" id="{566A5D9C-511B-9F7D-A78B-209FA36196C2}"/>
               </a:ext>
             </a:extLst>
           </p:cNvPr>
@@ -7094,7 +7440,7 @@
         </p:nvSpPr>
         <p:spPr>
           <a:xfrm>
-            <a:off x="6705600" y="9799620"/>
+            <a:off x="7010400" y="9715500"/>
             <a:ext cx="2133600" cy="365125"/>
           </a:xfrm>
         </p:spPr>
@@ -7114,7 +7460,7 @@
     </p:spTree>
     <p:extLst>
       <p:ext uri="{BB962C8B-B14F-4D97-AF65-F5344CB8AC3E}">
-        <p14:creationId xmlns:p14="http://schemas.microsoft.com/office/powerpoint/2010/main" xmlns="" val="3569711744"/>
+        <p14:creationId xmlns="" xmlns:p14="http://schemas.microsoft.com/office/powerpoint/2010/main" val="332678795"/>
       </p:ext>
     </p:extLst>
   </p:cSld>
@@ -7143,695 +7489,10 @@
       </p:grpSpPr>
       <p:sp>
         <p:nvSpPr>
-          <p:cNvPr id="2" name="TextBox 2">
-            <a:extLst>
-              <a:ext uri="{FF2B5EF4-FFF2-40B4-BE49-F238E27FC236}">
-                <a16:creationId xmlns:a16="http://schemas.microsoft.com/office/drawing/2014/main" xmlns="" id="{75012263-2741-1BF5-D06F-8BE6BC27B2C1}"/>
-              </a:ext>
-            </a:extLst>
-          </p:cNvPr>
-          <p:cNvSpPr txBox="1"/>
-          <p:nvPr/>
-        </p:nvSpPr>
-        <p:spPr>
-          <a:xfrm>
-            <a:off x="2895600" y="1028700"/>
-            <a:ext cx="13180039" cy="1455078"/>
-          </a:xfrm>
-          <a:prstGeom prst="rect">
-            <a:avLst/>
-          </a:prstGeom>
-        </p:spPr>
-        <p:txBody>
-          <a:bodyPr lIns="0" tIns="0" rIns="0" bIns="0" rtlCol="0" anchor="t">
-            <a:spAutoFit/>
-          </a:bodyPr>
-          <a:lstStyle/>
-          <a:p>
-            <a:pPr algn="ctr">
-              <a:lnSpc>
-                <a:spcPts val="11899"/>
-              </a:lnSpc>
-            </a:pPr>
-            <a:r>
-              <a:rPr lang="en-GB" sz="7200" b="1" i="0" dirty="0">
-                <a:solidFill>
-                  <a:srgbClr val="000000"/>
-                </a:solidFill>
-                <a:effectLst/>
-                <a:latin typeface="Elephant" panose="02020904090505020303" pitchFamily="18" charset="0"/>
-              </a:rPr>
-              <a:t>REFERENCES</a:t>
-            </a:r>
-            <a:endParaRPr lang="en-US" sz="7200" dirty="0">
-              <a:solidFill>
-                <a:srgbClr val="000000"/>
-              </a:solidFill>
-              <a:latin typeface="Elephant" panose="02020904090505020303" pitchFamily="18" charset="0"/>
-            </a:endParaRPr>
-          </a:p>
-        </p:txBody>
-      </p:sp>
-      <p:sp>
-        <p:nvSpPr>
-          <p:cNvPr id="3" name="TextBox 2">
-            <a:extLst>
-              <a:ext uri="{FF2B5EF4-FFF2-40B4-BE49-F238E27FC236}">
-                <a16:creationId xmlns:a16="http://schemas.microsoft.com/office/drawing/2014/main" xmlns="" id="{5554CFB2-4EFA-365D-FFF1-738F6C076C57}"/>
-              </a:ext>
-            </a:extLst>
-          </p:cNvPr>
-          <p:cNvSpPr txBox="1"/>
-          <p:nvPr/>
-        </p:nvSpPr>
-        <p:spPr>
-          <a:xfrm>
-            <a:off x="1905000" y="2618996"/>
-            <a:ext cx="14705320" cy="6771084"/>
-          </a:xfrm>
-          <a:prstGeom prst="rect">
-            <a:avLst/>
-          </a:prstGeom>
-        </p:spPr>
-        <p:txBody>
-          <a:bodyPr lIns="0" tIns="0" rIns="0" bIns="0" rtlCol="0" anchor="t">
-            <a:spAutoFit/>
-          </a:bodyPr>
-          <a:lstStyle/>
-          <a:p>
-            <a:r>
-              <a:rPr lang="en-GB" sz="2000" b="1" i="0" cap="all" dirty="0">
-                <a:solidFill>
-                  <a:srgbClr val="000000"/>
-                </a:solidFill>
-                <a:effectLst/>
-                <a:latin typeface="Arial" panose="020B0604020202020204" pitchFamily="34" charset="0"/>
-                <a:cs typeface="Arial" panose="020B0604020202020204" pitchFamily="34" charset="0"/>
-              </a:rPr>
-              <a:t>[6] S. Jain, T. Khanam, A. J. Abedi and A. A. Khan, ”Efficient Machine Learning for Malnutrition Prediction among under-five children in India,” 2022 IEEE Delhi Section Conference (DELCON), New Delhi, India, 2022, pp. 1-10, </a:t>
-            </a:r>
-            <a:r>
-              <a:rPr lang="en-GB" sz="2000" b="1" i="0" cap="all" dirty="0" err="1">
-                <a:solidFill>
-                  <a:srgbClr val="000000"/>
-                </a:solidFill>
-                <a:effectLst/>
-                <a:latin typeface="Arial" panose="020B0604020202020204" pitchFamily="34" charset="0"/>
-                <a:cs typeface="Arial" panose="020B0604020202020204" pitchFamily="34" charset="0"/>
-              </a:rPr>
-              <a:t>doi</a:t>
-            </a:r>
-            <a:r>
-              <a:rPr lang="en-GB" sz="2000" b="1" i="0" cap="all" dirty="0">
-                <a:solidFill>
-                  <a:srgbClr val="000000"/>
-                </a:solidFill>
-                <a:effectLst/>
-                <a:latin typeface="Arial" panose="020B0604020202020204" pitchFamily="34" charset="0"/>
-                <a:cs typeface="Arial" panose="020B0604020202020204" pitchFamily="34" charset="0"/>
-              </a:rPr>
-              <a:t>: 10.1109/DELCON54057.2022.9753080.</a:t>
-            </a:r>
-          </a:p>
-          <a:p>
-            <a:endParaRPr lang="en-GB" sz="2000" b="1" i="0" cap="all" dirty="0">
-              <a:solidFill>
-                <a:srgbClr val="000000"/>
-              </a:solidFill>
-              <a:effectLst/>
-              <a:latin typeface="Arial" panose="020B0604020202020204" pitchFamily="34" charset="0"/>
-              <a:cs typeface="Arial" panose="020B0604020202020204" pitchFamily="34" charset="0"/>
-            </a:endParaRPr>
-          </a:p>
-          <a:p>
-            <a:r>
-              <a:rPr lang="en-GB" sz="2000" b="1" i="0" cap="all" dirty="0">
-                <a:solidFill>
-                  <a:srgbClr val="000000"/>
-                </a:solidFill>
-                <a:effectLst/>
-                <a:latin typeface="Arial" panose="020B0604020202020204" pitchFamily="34" charset="0"/>
-                <a:cs typeface="Arial" panose="020B0604020202020204" pitchFamily="34" charset="0"/>
-              </a:rPr>
-              <a:t>[7] Z. </a:t>
-            </a:r>
-            <a:r>
-              <a:rPr lang="en-GB" sz="2000" b="1" i="0" cap="all" dirty="0" err="1">
-                <a:solidFill>
-                  <a:srgbClr val="000000"/>
-                </a:solidFill>
-                <a:effectLst/>
-                <a:latin typeface="Arial" panose="020B0604020202020204" pitchFamily="34" charset="0"/>
-                <a:cs typeface="Arial" panose="020B0604020202020204" pitchFamily="34" charset="0"/>
-              </a:rPr>
-              <a:t>Momand</a:t>
-            </a:r>
-            <a:r>
-              <a:rPr lang="en-GB" sz="2000" b="1" i="0" cap="all" dirty="0">
-                <a:solidFill>
-                  <a:srgbClr val="000000"/>
-                </a:solidFill>
-                <a:effectLst/>
-                <a:latin typeface="Arial" panose="020B0604020202020204" pitchFamily="34" charset="0"/>
-                <a:cs typeface="Arial" panose="020B0604020202020204" pitchFamily="34" charset="0"/>
-              </a:rPr>
-              <a:t>, P. </a:t>
-            </a:r>
-            <a:r>
-              <a:rPr lang="en-GB" sz="2000" b="1" i="0" cap="all" dirty="0" err="1">
-                <a:solidFill>
-                  <a:srgbClr val="000000"/>
-                </a:solidFill>
-                <a:effectLst/>
-                <a:latin typeface="Arial" panose="020B0604020202020204" pitchFamily="34" charset="0"/>
-                <a:cs typeface="Arial" panose="020B0604020202020204" pitchFamily="34" charset="0"/>
-              </a:rPr>
-              <a:t>Mongkolnam</a:t>
-            </a:r>
-            <a:r>
-              <a:rPr lang="en-GB" sz="2000" b="1" i="0" cap="all" dirty="0">
-                <a:solidFill>
-                  <a:srgbClr val="000000"/>
-                </a:solidFill>
-                <a:effectLst/>
-                <a:latin typeface="Arial" panose="020B0604020202020204" pitchFamily="34" charset="0"/>
-                <a:cs typeface="Arial" panose="020B0604020202020204" pitchFamily="34" charset="0"/>
-              </a:rPr>
-              <a:t>, P. </a:t>
-            </a:r>
-            <a:r>
-              <a:rPr lang="en-GB" sz="2000" b="1" i="0" cap="all" dirty="0" err="1">
-                <a:solidFill>
-                  <a:srgbClr val="000000"/>
-                </a:solidFill>
-                <a:effectLst/>
-                <a:latin typeface="Arial" panose="020B0604020202020204" pitchFamily="34" charset="0"/>
-                <a:cs typeface="Arial" panose="020B0604020202020204" pitchFamily="34" charset="0"/>
-              </a:rPr>
-              <a:t>Kositpanthavong</a:t>
-            </a:r>
-            <a:r>
-              <a:rPr lang="en-GB" sz="2000" b="1" i="0" cap="all" dirty="0">
-                <a:solidFill>
-                  <a:srgbClr val="000000"/>
-                </a:solidFill>
-                <a:effectLst/>
-                <a:latin typeface="Arial" panose="020B0604020202020204" pitchFamily="34" charset="0"/>
-                <a:cs typeface="Arial" panose="020B0604020202020204" pitchFamily="34" charset="0"/>
-              </a:rPr>
-              <a:t> and J. H. Chan, ”Data Mining Based Prediction of Malnutrition in Afghan </a:t>
-            </a:r>
-            <a:r>
-              <a:rPr lang="en-GB" sz="2000" b="1" i="0" cap="all" dirty="0" err="1">
-                <a:solidFill>
-                  <a:srgbClr val="000000"/>
-                </a:solidFill>
-                <a:effectLst/>
-                <a:latin typeface="Arial" panose="020B0604020202020204" pitchFamily="34" charset="0"/>
-                <a:cs typeface="Arial" panose="020B0604020202020204" pitchFamily="34" charset="0"/>
-              </a:rPr>
-              <a:t>Chil</a:t>
-            </a:r>
-            <a:r>
-              <a:rPr lang="en-GB" sz="2000" b="1" i="0" cap="all" dirty="0">
-                <a:solidFill>
-                  <a:srgbClr val="000000"/>
-                </a:solidFill>
-                <a:effectLst/>
-                <a:latin typeface="Arial" panose="020B0604020202020204" pitchFamily="34" charset="0"/>
-                <a:cs typeface="Arial" panose="020B0604020202020204" pitchFamily="34" charset="0"/>
-              </a:rPr>
-              <a:t> </a:t>
-            </a:r>
-            <a:r>
-              <a:rPr lang="en-GB" sz="2000" b="1" i="0" cap="all" dirty="0" err="1">
-                <a:solidFill>
-                  <a:srgbClr val="000000"/>
-                </a:solidFill>
-                <a:effectLst/>
-                <a:latin typeface="Arial" panose="020B0604020202020204" pitchFamily="34" charset="0"/>
-                <a:cs typeface="Arial" panose="020B0604020202020204" pitchFamily="34" charset="0"/>
-              </a:rPr>
-              <a:t>dren</a:t>
-            </a:r>
-            <a:r>
-              <a:rPr lang="en-GB" sz="2000" b="1" i="0" cap="all" dirty="0">
-                <a:solidFill>
-                  <a:srgbClr val="000000"/>
-                </a:solidFill>
-                <a:effectLst/>
-                <a:latin typeface="Arial" panose="020B0604020202020204" pitchFamily="34" charset="0"/>
-                <a:cs typeface="Arial" panose="020B0604020202020204" pitchFamily="34" charset="0"/>
-              </a:rPr>
-              <a:t>,” 2020 12th International Conference on Knowledge and Smart Technology (KST), Pattaya, Thailand, 2020, pp. 12-17, </a:t>
-            </a:r>
-            <a:r>
-              <a:rPr lang="en-GB" sz="2000" b="1" i="0" cap="all" dirty="0" err="1">
-                <a:solidFill>
-                  <a:srgbClr val="000000"/>
-                </a:solidFill>
-                <a:effectLst/>
-                <a:latin typeface="Arial" panose="020B0604020202020204" pitchFamily="34" charset="0"/>
-                <a:cs typeface="Arial" panose="020B0604020202020204" pitchFamily="34" charset="0"/>
-              </a:rPr>
-              <a:t>doi</a:t>
-            </a:r>
-            <a:r>
-              <a:rPr lang="en-GB" sz="2000" b="1" i="0" cap="all" dirty="0">
-                <a:solidFill>
-                  <a:srgbClr val="000000"/>
-                </a:solidFill>
-                <a:effectLst/>
-                <a:latin typeface="Arial" panose="020B0604020202020204" pitchFamily="34" charset="0"/>
-                <a:cs typeface="Arial" panose="020B0604020202020204" pitchFamily="34" charset="0"/>
-              </a:rPr>
-              <a:t>: 10.1109/KST48564.2020.9059388.</a:t>
-            </a:r>
-          </a:p>
-          <a:p>
-            <a:endParaRPr lang="en-GB" sz="2000" b="1" cap="all" dirty="0">
-              <a:solidFill>
-                <a:srgbClr val="000000"/>
-              </a:solidFill>
-              <a:effectLst/>
-              <a:latin typeface="Arial" panose="020B0604020202020204" pitchFamily="34" charset="0"/>
-              <a:cs typeface="Arial" panose="020B0604020202020204" pitchFamily="34" charset="0"/>
-            </a:endParaRPr>
-          </a:p>
-          <a:p>
-            <a:r>
-              <a:rPr lang="en-GB" sz="2000" b="1" i="0" cap="all" dirty="0">
-                <a:solidFill>
-                  <a:srgbClr val="000000"/>
-                </a:solidFill>
-                <a:effectLst/>
-                <a:latin typeface="Arial" panose="020B0604020202020204" pitchFamily="34" charset="0"/>
-                <a:cs typeface="Arial" panose="020B0604020202020204" pitchFamily="34" charset="0"/>
-              </a:rPr>
-              <a:t>[8] J. Chen, R. </a:t>
-            </a:r>
-            <a:r>
-              <a:rPr lang="en-GB" sz="2000" b="1" i="0" cap="all" dirty="0" err="1">
-                <a:solidFill>
-                  <a:srgbClr val="000000"/>
-                </a:solidFill>
-                <a:effectLst/>
-                <a:latin typeface="Arial" panose="020B0604020202020204" pitchFamily="34" charset="0"/>
-                <a:cs typeface="Arial" panose="020B0604020202020204" pitchFamily="34" charset="0"/>
-              </a:rPr>
-              <a:t>Soangra</a:t>
-            </a:r>
-            <a:r>
-              <a:rPr lang="en-GB" sz="2000" b="1" i="0" cap="all" dirty="0">
-                <a:solidFill>
-                  <a:srgbClr val="000000"/>
-                </a:solidFill>
-                <a:effectLst/>
-                <a:latin typeface="Arial" panose="020B0604020202020204" pitchFamily="34" charset="0"/>
-                <a:cs typeface="Arial" panose="020B0604020202020204" pitchFamily="34" charset="0"/>
-              </a:rPr>
-              <a:t>, M. Grant-</a:t>
-            </a:r>
-            <a:r>
-              <a:rPr lang="en-GB" sz="2000" b="1" i="0" cap="all" dirty="0" err="1">
-                <a:solidFill>
-                  <a:srgbClr val="000000"/>
-                </a:solidFill>
-                <a:effectLst/>
-                <a:latin typeface="Arial" panose="020B0604020202020204" pitchFamily="34" charset="0"/>
-                <a:cs typeface="Arial" panose="020B0604020202020204" pitchFamily="34" charset="0"/>
-              </a:rPr>
-              <a:t>Beuttler</a:t>
-            </a:r>
-            <a:r>
-              <a:rPr lang="en-GB" sz="2000" b="1" i="0" cap="all" dirty="0">
-                <a:solidFill>
-                  <a:srgbClr val="000000"/>
-                </a:solidFill>
-                <a:effectLst/>
-                <a:latin typeface="Arial" panose="020B0604020202020204" pitchFamily="34" charset="0"/>
-                <a:cs typeface="Arial" panose="020B0604020202020204" pitchFamily="34" charset="0"/>
-              </a:rPr>
-              <a:t>, Y. A. </a:t>
-            </a:r>
-            <a:r>
-              <a:rPr lang="en-GB" sz="2000" b="1" i="0" cap="all" dirty="0" err="1">
-                <a:solidFill>
-                  <a:srgbClr val="000000"/>
-                </a:solidFill>
-                <a:effectLst/>
-                <a:latin typeface="Arial" panose="020B0604020202020204" pitchFamily="34" charset="0"/>
-                <a:cs typeface="Arial" panose="020B0604020202020204" pitchFamily="34" charset="0"/>
-              </a:rPr>
-              <a:t>Nanehkaran</a:t>
-            </a:r>
-            <a:r>
-              <a:rPr lang="en-GB" sz="2000" b="1" i="0" cap="all" dirty="0">
-                <a:solidFill>
-                  <a:srgbClr val="000000"/>
-                </a:solidFill>
-                <a:effectLst/>
-                <a:latin typeface="Arial" panose="020B0604020202020204" pitchFamily="34" charset="0"/>
-                <a:cs typeface="Arial" panose="020B0604020202020204" pitchFamily="34" charset="0"/>
-              </a:rPr>
-              <a:t> and Y. Wen, ”Dense Attention Convolutional Neural Networks for Toe Walking Recognition,” in IEEE Transactions on Neural Systems and Rehabilitation Engineering, vol. 31, pp. 2235-2245, 2023, </a:t>
-            </a:r>
-            <a:r>
-              <a:rPr lang="en-GB" sz="2000" b="1" i="0" cap="all" dirty="0" err="1">
-                <a:solidFill>
-                  <a:srgbClr val="000000"/>
-                </a:solidFill>
-                <a:effectLst/>
-                <a:latin typeface="Arial" panose="020B0604020202020204" pitchFamily="34" charset="0"/>
-                <a:cs typeface="Arial" panose="020B0604020202020204" pitchFamily="34" charset="0"/>
-              </a:rPr>
-              <a:t>doi</a:t>
-            </a:r>
-            <a:r>
-              <a:rPr lang="en-GB" sz="2000" b="1" i="0" cap="all" dirty="0">
-                <a:solidFill>
-                  <a:srgbClr val="000000"/>
-                </a:solidFill>
-                <a:effectLst/>
-                <a:latin typeface="Arial" panose="020B0604020202020204" pitchFamily="34" charset="0"/>
-                <a:cs typeface="Arial" panose="020B0604020202020204" pitchFamily="34" charset="0"/>
-              </a:rPr>
-              <a:t>: 10.1109/TNSRE.2023.3272362. </a:t>
-            </a:r>
-          </a:p>
-          <a:p>
-            <a:endParaRPr lang="en-GB" sz="2000" b="1" cap="all" dirty="0">
-              <a:solidFill>
-                <a:srgbClr val="000000"/>
-              </a:solidFill>
-              <a:effectLst/>
-              <a:latin typeface="Arial" panose="020B0604020202020204" pitchFamily="34" charset="0"/>
-              <a:cs typeface="Arial" panose="020B0604020202020204" pitchFamily="34" charset="0"/>
-            </a:endParaRPr>
-          </a:p>
-          <a:p>
-            <a:r>
-              <a:rPr lang="en-GB" sz="2000" b="1" i="0" cap="all" dirty="0">
-                <a:solidFill>
-                  <a:srgbClr val="000000"/>
-                </a:solidFill>
-                <a:effectLst/>
-                <a:latin typeface="Arial" panose="020B0604020202020204" pitchFamily="34" charset="0"/>
-                <a:cs typeface="Arial" panose="020B0604020202020204" pitchFamily="34" charset="0"/>
-              </a:rPr>
-              <a:t>[9] S. E S, G. N. Sundar and D. </a:t>
-            </a:r>
-            <a:r>
-              <a:rPr lang="en-GB" sz="2000" b="1" i="0" cap="all" dirty="0" err="1">
-                <a:solidFill>
-                  <a:srgbClr val="000000"/>
-                </a:solidFill>
-                <a:effectLst/>
-                <a:latin typeface="Arial" panose="020B0604020202020204" pitchFamily="34" charset="0"/>
-                <a:cs typeface="Arial" panose="020B0604020202020204" pitchFamily="34" charset="0"/>
-              </a:rPr>
-              <a:t>Narmadha</a:t>
-            </a:r>
-            <a:r>
-              <a:rPr lang="en-GB" sz="2000" b="1" i="0" cap="all" dirty="0">
-                <a:solidFill>
-                  <a:srgbClr val="000000"/>
-                </a:solidFill>
-                <a:effectLst/>
-                <a:latin typeface="Arial" panose="020B0604020202020204" pitchFamily="34" charset="0"/>
-                <a:cs typeface="Arial" panose="020B0604020202020204" pitchFamily="34" charset="0"/>
-              </a:rPr>
-              <a:t>, ”An Investigation on Impact of Malnutrition in Human Health and Technique to Evaluate the Nutrient Intake from the Food Image,” 2022 IEEE International Power and Renewable Energy Conference (IPRECON), Kollam, India, 2022, pp. 1-5, </a:t>
-            </a:r>
-            <a:r>
-              <a:rPr lang="en-GB" sz="2000" b="1" i="0" cap="all" dirty="0" err="1">
-                <a:solidFill>
-                  <a:srgbClr val="000000"/>
-                </a:solidFill>
-                <a:effectLst/>
-                <a:latin typeface="Arial" panose="020B0604020202020204" pitchFamily="34" charset="0"/>
-                <a:cs typeface="Arial" panose="020B0604020202020204" pitchFamily="34" charset="0"/>
-              </a:rPr>
-              <a:t>doi</a:t>
-            </a:r>
-            <a:r>
-              <a:rPr lang="en-GB" sz="2000" b="1" i="0" cap="all" dirty="0">
-                <a:solidFill>
-                  <a:srgbClr val="000000"/>
-                </a:solidFill>
-                <a:effectLst/>
-                <a:latin typeface="Arial" panose="020B0604020202020204" pitchFamily="34" charset="0"/>
-                <a:cs typeface="Arial" panose="020B0604020202020204" pitchFamily="34" charset="0"/>
-              </a:rPr>
-              <a:t>: 10.1109/IPRECON55716.2022.10059560.</a:t>
-            </a:r>
-          </a:p>
-          <a:p>
-            <a:endParaRPr lang="en-GB" sz="2000" b="1" cap="all" dirty="0">
-              <a:solidFill>
-                <a:srgbClr val="000000"/>
-              </a:solidFill>
-              <a:effectLst/>
-              <a:latin typeface="Arial" panose="020B0604020202020204" pitchFamily="34" charset="0"/>
-              <a:cs typeface="Arial" panose="020B0604020202020204" pitchFamily="34" charset="0"/>
-            </a:endParaRPr>
-          </a:p>
-          <a:p>
-            <a:r>
-              <a:rPr lang="en-GB" sz="2000" b="1" i="0" cap="all" dirty="0">
-                <a:solidFill>
-                  <a:srgbClr val="000000"/>
-                </a:solidFill>
-                <a:effectLst/>
-                <a:latin typeface="Arial" panose="020B0604020202020204" pitchFamily="34" charset="0"/>
-                <a:cs typeface="Arial" panose="020B0604020202020204" pitchFamily="34" charset="0"/>
-              </a:rPr>
-              <a:t>[10] S. </a:t>
-            </a:r>
-            <a:r>
-              <a:rPr lang="en-GB" sz="2000" b="1" i="0" cap="all" dirty="0" err="1">
-                <a:solidFill>
-                  <a:srgbClr val="000000"/>
-                </a:solidFill>
-                <a:effectLst/>
-                <a:latin typeface="Arial" panose="020B0604020202020204" pitchFamily="34" charset="0"/>
-                <a:cs typeface="Arial" panose="020B0604020202020204" pitchFamily="34" charset="0"/>
-              </a:rPr>
-              <a:t>Bonaldo</a:t>
-            </a:r>
-            <a:r>
-              <a:rPr lang="en-GB" sz="2000" b="1" i="0" cap="all" dirty="0">
-                <a:solidFill>
-                  <a:srgbClr val="000000"/>
-                </a:solidFill>
-                <a:effectLst/>
-                <a:latin typeface="Arial" panose="020B0604020202020204" pitchFamily="34" charset="0"/>
-                <a:cs typeface="Arial" panose="020B0604020202020204" pitchFamily="34" charset="0"/>
-              </a:rPr>
-              <a:t>, F. Dal Lago, G. </a:t>
-            </a:r>
-            <a:r>
-              <a:rPr lang="en-GB" sz="2000" b="1" i="0" cap="all" dirty="0" err="1">
-                <a:solidFill>
-                  <a:srgbClr val="000000"/>
-                </a:solidFill>
-                <a:effectLst/>
-                <a:latin typeface="Arial" panose="020B0604020202020204" pitchFamily="34" charset="0"/>
-                <a:cs typeface="Arial" panose="020B0604020202020204" pitchFamily="34" charset="0"/>
-              </a:rPr>
-              <a:t>Putoto</a:t>
-            </a:r>
-            <a:r>
-              <a:rPr lang="en-GB" sz="2000" b="1" i="0" cap="all" dirty="0">
-                <a:solidFill>
-                  <a:srgbClr val="000000"/>
-                </a:solidFill>
-                <a:effectLst/>
-                <a:latin typeface="Arial" panose="020B0604020202020204" pitchFamily="34" charset="0"/>
-                <a:cs typeface="Arial" panose="020B0604020202020204" pitchFamily="34" charset="0"/>
-              </a:rPr>
-              <a:t>, L. Dal Lago, E. </a:t>
-            </a:r>
-            <a:r>
-              <a:rPr lang="en-GB" sz="2000" b="1" i="0" cap="all" dirty="0" err="1">
-                <a:solidFill>
-                  <a:srgbClr val="000000"/>
-                </a:solidFill>
-                <a:effectLst/>
-                <a:latin typeface="Arial" panose="020B0604020202020204" pitchFamily="34" charset="0"/>
-                <a:cs typeface="Arial" panose="020B0604020202020204" pitchFamily="34" charset="0"/>
-              </a:rPr>
-              <a:t>Griggio</a:t>
-            </a:r>
-            <a:r>
-              <a:rPr lang="en-GB" sz="2000" b="1" i="0" cap="all" dirty="0">
-                <a:solidFill>
-                  <a:srgbClr val="000000"/>
-                </a:solidFill>
-                <a:effectLst/>
-                <a:latin typeface="Arial" panose="020B0604020202020204" pitchFamily="34" charset="0"/>
-                <a:cs typeface="Arial" panose="020B0604020202020204" pitchFamily="34" charset="0"/>
-              </a:rPr>
-              <a:t> and A. </a:t>
-            </a:r>
-            <a:r>
-              <a:rPr lang="en-GB" sz="2000" b="1" i="0" cap="all" dirty="0" err="1">
-                <a:solidFill>
-                  <a:srgbClr val="000000"/>
-                </a:solidFill>
-                <a:effectLst/>
-                <a:latin typeface="Arial" panose="020B0604020202020204" pitchFamily="34" charset="0"/>
-                <a:cs typeface="Arial" panose="020B0604020202020204" pitchFamily="34" charset="0"/>
-              </a:rPr>
-              <a:t>Paccagnella</a:t>
-            </a:r>
-            <a:r>
-              <a:rPr lang="en-GB" sz="2000" b="1" i="0" cap="all" dirty="0">
-                <a:solidFill>
-                  <a:srgbClr val="000000"/>
-                </a:solidFill>
-                <a:effectLst/>
-                <a:latin typeface="Arial" panose="020B0604020202020204" pitchFamily="34" charset="0"/>
-                <a:cs typeface="Arial" panose="020B0604020202020204" pitchFamily="34" charset="0"/>
-              </a:rPr>
-              <a:t>, ”Portable Digital Stadiometer for Assessing the Degree of Childhood Malnutrition in Low-Income Countries,” 2021 IEEE Interna </a:t>
-            </a:r>
-            <a:r>
-              <a:rPr lang="en-GB" sz="2000" b="1" i="0" cap="all" dirty="0" err="1">
-                <a:solidFill>
-                  <a:srgbClr val="000000"/>
-                </a:solidFill>
-                <a:effectLst/>
-                <a:latin typeface="Arial" panose="020B0604020202020204" pitchFamily="34" charset="0"/>
-                <a:cs typeface="Arial" panose="020B0604020202020204" pitchFamily="34" charset="0"/>
-              </a:rPr>
-              <a:t>tional</a:t>
-            </a:r>
-            <a:r>
-              <a:rPr lang="en-GB" sz="2000" b="1" i="0" cap="all" dirty="0">
-                <a:solidFill>
-                  <a:srgbClr val="000000"/>
-                </a:solidFill>
-                <a:effectLst/>
-                <a:latin typeface="Arial" panose="020B0604020202020204" pitchFamily="34" charset="0"/>
-                <a:cs typeface="Arial" panose="020B0604020202020204" pitchFamily="34" charset="0"/>
-              </a:rPr>
-              <a:t> Humanitarian Technology Conference (IHTC), United Kingdom, 2021, pp. 1-8, </a:t>
-            </a:r>
-            <a:r>
-              <a:rPr lang="en-GB" sz="2000" b="1" i="0" cap="all" dirty="0" err="1">
-                <a:solidFill>
-                  <a:srgbClr val="000000"/>
-                </a:solidFill>
-                <a:effectLst/>
-                <a:latin typeface="Arial" panose="020B0604020202020204" pitchFamily="34" charset="0"/>
-                <a:cs typeface="Arial" panose="020B0604020202020204" pitchFamily="34" charset="0"/>
-              </a:rPr>
-              <a:t>doi</a:t>
-            </a:r>
-            <a:r>
-              <a:rPr lang="en-GB" sz="2000" b="1" i="0" cap="all" dirty="0">
-                <a:solidFill>
-                  <a:srgbClr val="000000"/>
-                </a:solidFill>
-                <a:effectLst/>
-                <a:latin typeface="Arial" panose="020B0604020202020204" pitchFamily="34" charset="0"/>
-                <a:cs typeface="Arial" panose="020B0604020202020204" pitchFamily="34" charset="0"/>
-              </a:rPr>
-              <a:t>: 10.1109/IHTC53077.2021.9698950</a:t>
-            </a:r>
-            <a:endParaRPr lang="en-GB" sz="2000" b="1" cap="all" dirty="0">
-              <a:solidFill>
-                <a:srgbClr val="000000"/>
-              </a:solidFill>
-              <a:effectLst/>
-              <a:latin typeface="Arial" panose="020B0604020202020204" pitchFamily="34" charset="0"/>
-              <a:cs typeface="Arial" panose="020B0604020202020204" pitchFamily="34" charset="0"/>
-            </a:endParaRPr>
-          </a:p>
-          <a:p>
-            <a:endParaRPr lang="en-GB" sz="2000" b="1" cap="all" dirty="0">
-              <a:solidFill>
-                <a:srgbClr val="000000"/>
-              </a:solidFill>
-              <a:effectLst/>
-              <a:latin typeface="Arial" panose="020B0604020202020204" pitchFamily="34" charset="0"/>
-              <a:cs typeface="Arial" panose="020B0604020202020204" pitchFamily="34" charset="0"/>
-            </a:endParaRPr>
-          </a:p>
-        </p:txBody>
-      </p:sp>
-      <p:sp>
-        <p:nvSpPr>
-          <p:cNvPr id="6" name="Slide Number Placeholder 5">
-            <a:extLst>
-              <a:ext uri="{FF2B5EF4-FFF2-40B4-BE49-F238E27FC236}">
-                <a16:creationId xmlns:a16="http://schemas.microsoft.com/office/drawing/2014/main" xmlns="" id="{566A5D9C-511B-9F7D-A78B-209FA36196C2}"/>
-              </a:ext>
-            </a:extLst>
-          </p:cNvPr>
-          <p:cNvSpPr>
-            <a:spLocks noGrp="1"/>
-          </p:cNvSpPr>
-          <p:nvPr>
-            <p:ph type="sldNum" sz="quarter" idx="12"/>
-          </p:nvPr>
-        </p:nvSpPr>
-        <p:spPr>
-          <a:xfrm>
-            <a:off x="7010400" y="9715500"/>
-            <a:ext cx="2133600" cy="365125"/>
-          </a:xfrm>
-        </p:spPr>
-        <p:txBody>
-          <a:bodyPr/>
-          <a:lstStyle/>
-          <a:p>
-            <a:fld id="{B6F15528-21DE-4FAA-801E-634DDDAF4B2B}" type="slidenum">
-              <a:rPr lang="en-US" smtClean="0"/>
-              <a:pPr/>
-              <a:t>14</a:t>
-            </a:fld>
-            <a:endParaRPr lang="en-US" dirty="0"/>
-          </a:p>
-        </p:txBody>
-      </p:sp>
-    </p:spTree>
-    <p:extLst>
-      <p:ext uri="{BB962C8B-B14F-4D97-AF65-F5344CB8AC3E}">
-        <p14:creationId xmlns:p14="http://schemas.microsoft.com/office/powerpoint/2010/main" xmlns="" val="332678795"/>
-      </p:ext>
-    </p:extLst>
-  </p:cSld>
-  <p:clrMapOvr>
-    <a:masterClrMapping/>
-  </p:clrMapOvr>
-</p:sld>
-</file>
-
-<file path=ppt/slides/slide15.xml><?xml version="1.0" encoding="utf-8"?>
-<p:sld xmlns:a="http://schemas.openxmlformats.org/drawingml/2006/main" xmlns:r="http://schemas.openxmlformats.org/officeDocument/2006/relationships" xmlns:p="http://schemas.openxmlformats.org/presentationml/2006/main">
-  <p:cSld>
-    <p:spTree>
-      <p:nvGrpSpPr>
-        <p:cNvPr id="1" name=""/>
-        <p:cNvGrpSpPr/>
-        <p:nvPr/>
-      </p:nvGrpSpPr>
-      <p:grpSpPr>
-        <a:xfrm>
-          <a:off x="0" y="0"/>
-          <a:ext cx="0" cy="0"/>
-          <a:chOff x="0" y="0"/>
-          <a:chExt cx="0" cy="0"/>
-        </a:xfrm>
-      </p:grpSpPr>
-      <p:sp>
-        <p:nvSpPr>
           <p:cNvPr id="4" name="TextBox 2">
             <a:extLst>
               <a:ext uri="{FF2B5EF4-FFF2-40B4-BE49-F238E27FC236}">
-                <a16:creationId xmlns:a16="http://schemas.microsoft.com/office/drawing/2014/main" xmlns="" id="{58A762F0-DC6F-3147-D348-441A0E851E7A}"/>
+                <a16:creationId xmlns="" xmlns:a16="http://schemas.microsoft.com/office/drawing/2014/main" id="{58A762F0-DC6F-3147-D348-441A0E851E7A}"/>
               </a:ext>
             </a:extLst>
           </p:cNvPr>
@@ -7882,7 +7543,7 @@
           <p:cNvPr id="5" name="Slide Number Placeholder 4">
             <a:extLst>
               <a:ext uri="{FF2B5EF4-FFF2-40B4-BE49-F238E27FC236}">
-                <a16:creationId xmlns:a16="http://schemas.microsoft.com/office/drawing/2014/main" xmlns="" id="{E59D4FB6-3B0E-6799-7DA3-F62E0864E994}"/>
+                <a16:creationId xmlns="" xmlns:a16="http://schemas.microsoft.com/office/drawing/2014/main" id="{E59D4FB6-3B0E-6799-7DA3-F62E0864E994}"/>
               </a:ext>
             </a:extLst>
           </p:cNvPr>
@@ -7906,7 +7567,7 @@
             <a:fld id="{B6F15528-21DE-4FAA-801E-634DDDAF4B2B}" type="slidenum">
               <a:rPr lang="en-US" smtClean="0"/>
               <a:pPr/>
-              <a:t>15</a:t>
+              <a:t>14</a:t>
             </a:fld>
             <a:endParaRPr lang="en-US" dirty="0"/>
           </a:p>
@@ -7915,7 +7576,7 @@
     </p:spTree>
     <p:extLst>
       <p:ext uri="{BB962C8B-B14F-4D97-AF65-F5344CB8AC3E}">
-        <p14:creationId xmlns:p14="http://schemas.microsoft.com/office/powerpoint/2010/main" xmlns="" val="2128195067"/>
+        <p14:creationId xmlns="" xmlns:p14="http://schemas.microsoft.com/office/powerpoint/2010/main" val="2128195067"/>
       </p:ext>
     </p:extLst>
   </p:cSld>
@@ -8096,7 +7757,7 @@
             <a:blip r:embed="rId2">
               <a:extLst>
                 <a:ext uri="{96DAC541-7B7A-43D3-8B79-37D633B846F1}">
-                  <asvg:svgBlip xmlns:asvg="http://schemas.microsoft.com/office/drawing/2016/SVG/main" xmlns="" r:embed="rId3"/>
+                  <asvg:svgBlip xmlns="" xmlns:asvg="http://schemas.microsoft.com/office/drawing/2016/SVG/main" r:embed="rId3"/>
                 </a:ext>
               </a:extLst>
             </a:blip>
@@ -8210,7 +7871,7 @@
             <a:blip r:embed="rId2">
               <a:extLst>
                 <a:ext uri="{96DAC541-7B7A-43D3-8B79-37D633B846F1}">
-                  <asvg:svgBlip xmlns:asvg="http://schemas.microsoft.com/office/drawing/2016/SVG/main" xmlns="" r:embed="rId3"/>
+                  <asvg:svgBlip xmlns="" xmlns:asvg="http://schemas.microsoft.com/office/drawing/2016/SVG/main" r:embed="rId3"/>
                 </a:ext>
               </a:extLst>
             </a:blip>
@@ -8225,7 +7886,7 @@
           <p:cNvPr id="9" name="Slide Number Placeholder 8">
             <a:extLst>
               <a:ext uri="{FF2B5EF4-FFF2-40B4-BE49-F238E27FC236}">
-                <a16:creationId xmlns:a16="http://schemas.microsoft.com/office/drawing/2014/main" xmlns="" id="{AC955D2D-E46A-6CE5-2B0F-81408AF3920D}"/>
+                <a16:creationId xmlns="" xmlns:a16="http://schemas.microsoft.com/office/drawing/2014/main" id="{AC955D2D-E46A-6CE5-2B0F-81408AF3920D}"/>
               </a:ext>
             </a:extLst>
           </p:cNvPr>
@@ -8444,7 +8105,7 @@
           <p:cNvPr id="6" name="Slide Number Placeholder 5">
             <a:extLst>
               <a:ext uri="{FF2B5EF4-FFF2-40B4-BE49-F238E27FC236}">
-                <a16:creationId xmlns:a16="http://schemas.microsoft.com/office/drawing/2014/main" xmlns="" id="{452405CF-7E04-88A2-12EF-A074ACEBD004}"/>
+                <a16:creationId xmlns="" xmlns:a16="http://schemas.microsoft.com/office/drawing/2014/main" id="{452405CF-7E04-88A2-12EF-A074ACEBD004}"/>
               </a:ext>
             </a:extLst>
           </p:cNvPr>
@@ -8541,7 +8202,7 @@
             <a:blip r:embed="rId2">
               <a:extLst>
                 <a:ext uri="{96DAC541-7B7A-43D3-8B79-37D633B846F1}">
-                  <asvg:svgBlip xmlns:asvg="http://schemas.microsoft.com/office/drawing/2016/SVG/main" xmlns="" r:embed="rId3"/>
+                  <asvg:svgBlip xmlns="" xmlns:asvg="http://schemas.microsoft.com/office/drawing/2016/SVG/main" r:embed="rId3"/>
                 </a:ext>
               </a:extLst>
             </a:blip>
@@ -8556,7 +8217,7 @@
           <p:cNvPr id="12" name="Picture 11">
             <a:extLst>
               <a:ext uri="{FF2B5EF4-FFF2-40B4-BE49-F238E27FC236}">
-                <a16:creationId xmlns:a16="http://schemas.microsoft.com/office/drawing/2014/main" xmlns="" id="{BC03C761-99DB-4F15-D8C6-FC7EDF1827ED}"/>
+                <a16:creationId xmlns="" xmlns:a16="http://schemas.microsoft.com/office/drawing/2014/main" id="{BC03C761-99DB-4F15-D8C6-FC7EDF1827ED}"/>
               </a:ext>
             </a:extLst>
           </p:cNvPr>
@@ -8569,7 +8230,7 @@
           <a:blip r:embed="rId4">
             <a:extLst>
               <a:ext uri="{28A0092B-C50C-407E-A947-70E740481C1C}">
-                <a14:useLocalDpi xmlns:a14="http://schemas.microsoft.com/office/drawing/2010/main" xmlns="" val="0"/>
+                <a14:useLocalDpi xmlns="" xmlns:a14="http://schemas.microsoft.com/office/drawing/2010/main" val="0"/>
               </a:ext>
             </a:extLst>
           </a:blip>
@@ -8606,7 +8267,7 @@
           <p:cNvPr id="4" name="TextBox 3">
             <a:extLst>
               <a:ext uri="{FF2B5EF4-FFF2-40B4-BE49-F238E27FC236}">
-                <a16:creationId xmlns:a16="http://schemas.microsoft.com/office/drawing/2014/main" xmlns="" id="{4C4022E0-DD2D-2011-158D-C52EA8BD9A6E}"/>
+                <a16:creationId xmlns="" xmlns:a16="http://schemas.microsoft.com/office/drawing/2014/main" id="{4C4022E0-DD2D-2011-158D-C52EA8BD9A6E}"/>
               </a:ext>
             </a:extLst>
           </p:cNvPr>
@@ -8651,7 +8312,7 @@
           <p:cNvPr id="6" name="Slide Number Placeholder 5">
             <a:extLst>
               <a:ext uri="{FF2B5EF4-FFF2-40B4-BE49-F238E27FC236}">
-                <a16:creationId xmlns:a16="http://schemas.microsoft.com/office/drawing/2014/main" xmlns="" id="{1989ADBA-01DC-7CC8-1D4A-02D3AA1989BF}"/>
+                <a16:creationId xmlns="" xmlns:a16="http://schemas.microsoft.com/office/drawing/2014/main" id="{1989ADBA-01DC-7CC8-1D4A-02D3AA1989BF}"/>
               </a:ext>
             </a:extLst>
           </p:cNvPr>
@@ -8684,7 +8345,7 @@
     </p:spTree>
     <p:extLst>
       <p:ext uri="{BB962C8B-B14F-4D97-AF65-F5344CB8AC3E}">
-        <p14:creationId xmlns:p14="http://schemas.microsoft.com/office/powerpoint/2010/main" xmlns="" val="1490332246"/>
+        <p14:creationId xmlns="" xmlns:p14="http://schemas.microsoft.com/office/powerpoint/2010/main" val="1490332246"/>
       </p:ext>
     </p:extLst>
   </p:cSld>
@@ -8754,7 +8415,7 @@
           <p:cNvPr id="19" name="TextBox 2">
             <a:extLst>
               <a:ext uri="{FF2B5EF4-FFF2-40B4-BE49-F238E27FC236}">
-                <a16:creationId xmlns:a16="http://schemas.microsoft.com/office/drawing/2014/main" xmlns="" id="{DA16AEB4-1C15-7B7A-0CDA-81B26E189B50}"/>
+                <a16:creationId xmlns="" xmlns:a16="http://schemas.microsoft.com/office/drawing/2014/main" id="{DA16AEB4-1C15-7B7A-0CDA-81B26E189B50}"/>
               </a:ext>
             </a:extLst>
           </p:cNvPr>
@@ -9038,7 +8699,7 @@
           <p:cNvPr id="4" name="Slide Number Placeholder 3">
             <a:extLst>
               <a:ext uri="{FF2B5EF4-FFF2-40B4-BE49-F238E27FC236}">
-                <a16:creationId xmlns:a16="http://schemas.microsoft.com/office/drawing/2014/main" xmlns="" id="{DB8951A8-3E60-45BC-F0C7-F4CCC440F585}"/>
+                <a16:creationId xmlns="" xmlns:a16="http://schemas.microsoft.com/office/drawing/2014/main" id="{DB8951A8-3E60-45BC-F0C7-F4CCC440F585}"/>
               </a:ext>
             </a:extLst>
           </p:cNvPr>
@@ -9098,7 +8759,7 @@
           <p:cNvPr id="2" name="TextBox 2">
             <a:extLst>
               <a:ext uri="{FF2B5EF4-FFF2-40B4-BE49-F238E27FC236}">
-                <a16:creationId xmlns:a16="http://schemas.microsoft.com/office/drawing/2014/main" xmlns="" id="{153E9A0C-7633-6D0B-4404-52701C4152F8}"/>
+                <a16:creationId xmlns="" xmlns:a16="http://schemas.microsoft.com/office/drawing/2014/main" id="{153E9A0C-7633-6D0B-4404-52701C4152F8}"/>
               </a:ext>
             </a:extLst>
           </p:cNvPr>
@@ -9358,7 +9019,7 @@
           <p:cNvPr id="3" name="TextBox 12">
             <a:extLst>
               <a:ext uri="{FF2B5EF4-FFF2-40B4-BE49-F238E27FC236}">
-                <a16:creationId xmlns:a16="http://schemas.microsoft.com/office/drawing/2014/main" xmlns="" id="{295FAC58-02FE-3C14-A955-B7643CFBFB6C}"/>
+                <a16:creationId xmlns="" xmlns:a16="http://schemas.microsoft.com/office/drawing/2014/main" id="{295FAC58-02FE-3C14-A955-B7643CFBFB6C}"/>
               </a:ext>
             </a:extLst>
           </p:cNvPr>
@@ -9402,7 +9063,7 @@
           <p:cNvPr id="6" name="Slide Number Placeholder 5">
             <a:extLst>
               <a:ext uri="{FF2B5EF4-FFF2-40B4-BE49-F238E27FC236}">
-                <a16:creationId xmlns:a16="http://schemas.microsoft.com/office/drawing/2014/main" xmlns="" id="{117350E0-A9DA-EBD6-225C-89C71F1F9C31}"/>
+                <a16:creationId xmlns="" xmlns:a16="http://schemas.microsoft.com/office/drawing/2014/main" id="{117350E0-A9DA-EBD6-225C-89C71F1F9C31}"/>
               </a:ext>
             </a:extLst>
           </p:cNvPr>
@@ -9435,7 +9096,7 @@
     </p:spTree>
     <p:extLst>
       <p:ext uri="{BB962C8B-B14F-4D97-AF65-F5344CB8AC3E}">
-        <p14:creationId xmlns:p14="http://schemas.microsoft.com/office/powerpoint/2010/main" xmlns="" val="2578687185"/>
+        <p14:creationId xmlns="" xmlns:p14="http://schemas.microsoft.com/office/powerpoint/2010/main" val="2578687185"/>
       </p:ext>
     </p:extLst>
   </p:cSld>
@@ -9505,7 +9166,7 @@
           <p:cNvPr id="2" name="TextBox 2">
             <a:extLst>
               <a:ext uri="{FF2B5EF4-FFF2-40B4-BE49-F238E27FC236}">
-                <a16:creationId xmlns:a16="http://schemas.microsoft.com/office/drawing/2014/main" xmlns="" id="{153E9A0C-7633-6D0B-4404-52701C4152F8}"/>
+                <a16:creationId xmlns="" xmlns:a16="http://schemas.microsoft.com/office/drawing/2014/main" id="{153E9A0C-7633-6D0B-4404-52701C4152F8}"/>
               </a:ext>
             </a:extLst>
           </p:cNvPr>
@@ -9729,7 +9390,7 @@
           <p:cNvPr id="5" name="Slide Number Placeholder 4">
             <a:extLst>
               <a:ext uri="{FF2B5EF4-FFF2-40B4-BE49-F238E27FC236}">
-                <a16:creationId xmlns:a16="http://schemas.microsoft.com/office/drawing/2014/main" xmlns="" id="{59C75D47-2CFE-9CB0-03E0-52980A8655C5}"/>
+                <a16:creationId xmlns="" xmlns:a16="http://schemas.microsoft.com/office/drawing/2014/main" id="{59C75D47-2CFE-9CB0-03E0-52980A8655C5}"/>
               </a:ext>
             </a:extLst>
           </p:cNvPr>
@@ -9762,7 +9423,7 @@
     </p:spTree>
     <p:extLst>
       <p:ext uri="{BB962C8B-B14F-4D97-AF65-F5344CB8AC3E}">
-        <p14:creationId xmlns:p14="http://schemas.microsoft.com/office/powerpoint/2010/main" xmlns="" val="2108236616"/>
+        <p14:creationId xmlns="" xmlns:p14="http://schemas.microsoft.com/office/powerpoint/2010/main" val="2108236616"/>
       </p:ext>
     </p:extLst>
   </p:cSld>
@@ -9832,7 +9493,7 @@
           <p:cNvPr id="2" name="TextBox 2">
             <a:extLst>
               <a:ext uri="{FF2B5EF4-FFF2-40B4-BE49-F238E27FC236}">
-                <a16:creationId xmlns:a16="http://schemas.microsoft.com/office/drawing/2014/main" xmlns="" id="{153E9A0C-7633-6D0B-4404-52701C4152F8}"/>
+                <a16:creationId xmlns="" xmlns:a16="http://schemas.microsoft.com/office/drawing/2014/main" id="{153E9A0C-7633-6D0B-4404-52701C4152F8}"/>
               </a:ext>
             </a:extLst>
           </p:cNvPr>
@@ -9898,7 +9559,7 @@
           <p:cNvPr id="13" name="TextBox 2">
             <a:extLst>
               <a:ext uri="{FF2B5EF4-FFF2-40B4-BE49-F238E27FC236}">
-                <a16:creationId xmlns:a16="http://schemas.microsoft.com/office/drawing/2014/main" xmlns="" id="{ADC4ADCA-3601-85AB-37E5-861C4DDFA493}"/>
+                <a16:creationId xmlns="" xmlns:a16="http://schemas.microsoft.com/office/drawing/2014/main" id="{ADC4ADCA-3601-85AB-37E5-861C4DDFA493}"/>
               </a:ext>
             </a:extLst>
           </p:cNvPr>
@@ -10130,7 +9791,7 @@
           <p:cNvPr id="5" name="Slide Number Placeholder 4">
             <a:extLst>
               <a:ext uri="{FF2B5EF4-FFF2-40B4-BE49-F238E27FC236}">
-                <a16:creationId xmlns:a16="http://schemas.microsoft.com/office/drawing/2014/main" xmlns="" id="{50835AAA-44F1-C3D3-2387-7B66CAD161FC}"/>
+                <a16:creationId xmlns="" xmlns:a16="http://schemas.microsoft.com/office/drawing/2014/main" id="{50835AAA-44F1-C3D3-2387-7B66CAD161FC}"/>
               </a:ext>
             </a:extLst>
           </p:cNvPr>
@@ -10163,7 +9824,7 @@
     </p:spTree>
     <p:extLst>
       <p:ext uri="{BB962C8B-B14F-4D97-AF65-F5344CB8AC3E}">
-        <p14:creationId xmlns:p14="http://schemas.microsoft.com/office/powerpoint/2010/main" xmlns="" val="1021719434"/>
+        <p14:creationId xmlns="" xmlns:p14="http://schemas.microsoft.com/office/powerpoint/2010/main" val="1021719434"/>
       </p:ext>
     </p:extLst>
   </p:cSld>
@@ -10195,7 +9856,7 @@
           <p:cNvPr id="7" name="Table 7">
             <a:extLst>
               <a:ext uri="{FF2B5EF4-FFF2-40B4-BE49-F238E27FC236}">
-                <a16:creationId xmlns:a16="http://schemas.microsoft.com/office/drawing/2014/main" xmlns="" id="{0D5886E1-8A3A-2641-7041-A948A092C51C}"/>
+                <a16:creationId xmlns="" xmlns:a16="http://schemas.microsoft.com/office/drawing/2014/main" id="{0D5886E1-8A3A-2641-7041-A948A092C51C}"/>
               </a:ext>
             </a:extLst>
           </p:cNvPr>
@@ -10205,7 +9866,7 @@
           <p:nvPr>
             <p:extLst>
               <p:ext uri="{D42A27DB-BD31-4B8C-83A1-F6EECF244321}">
-                <p14:modId xmlns:p14="http://schemas.microsoft.com/office/powerpoint/2010/main" xmlns="" val="1407442502"/>
+                <p14:modId xmlns="" xmlns:p14="http://schemas.microsoft.com/office/powerpoint/2010/main" val="1407442502"/>
               </p:ext>
             </p:extLst>
           </p:nvPr>
@@ -10224,14 +9885,14 @@
                 <a:gridCol w="5905500">
                   <a:extLst>
                     <a:ext uri="{9D8B030D-6E8A-4147-A177-3AD203B41FA5}">
-                      <a16:colId xmlns:a16="http://schemas.microsoft.com/office/drawing/2014/main" xmlns="" val="3075859568"/>
+                      <a16:colId xmlns="" xmlns:a16="http://schemas.microsoft.com/office/drawing/2014/main" val="3075859568"/>
                     </a:ext>
                   </a:extLst>
                 </a:gridCol>
                 <a:gridCol w="5905500">
                   <a:extLst>
                     <a:ext uri="{9D8B030D-6E8A-4147-A177-3AD203B41FA5}">
-                      <a16:colId xmlns:a16="http://schemas.microsoft.com/office/drawing/2014/main" xmlns="" val="416282924"/>
+                      <a16:colId xmlns="" xmlns:a16="http://schemas.microsoft.com/office/drawing/2014/main" val="416282924"/>
                     </a:ext>
                   </a:extLst>
                 </a:gridCol>
@@ -10302,7 +9963,7 @@
                 </a:tc>
                 <a:extLst>
                   <a:ext uri="{0D108BD9-81ED-4DB2-BD59-A6C34878D82A}">
-                    <a16:rowId xmlns:a16="http://schemas.microsoft.com/office/drawing/2014/main" xmlns="" val="1713513323"/>
+                    <a16:rowId xmlns="" xmlns:a16="http://schemas.microsoft.com/office/drawing/2014/main" val="1713513323"/>
                   </a:ext>
                 </a:extLst>
               </a:tr>
@@ -10349,7 +10010,7 @@
                 </a:tc>
                 <a:extLst>
                   <a:ext uri="{0D108BD9-81ED-4DB2-BD59-A6C34878D82A}">
-                    <a16:rowId xmlns:a16="http://schemas.microsoft.com/office/drawing/2014/main" xmlns="" val="1477262964"/>
+                    <a16:rowId xmlns="" xmlns:a16="http://schemas.microsoft.com/office/drawing/2014/main" val="1477262964"/>
                   </a:ext>
                 </a:extLst>
               </a:tr>
@@ -10396,7 +10057,7 @@
                 </a:tc>
                 <a:extLst>
                   <a:ext uri="{0D108BD9-81ED-4DB2-BD59-A6C34878D82A}">
-                    <a16:rowId xmlns:a16="http://schemas.microsoft.com/office/drawing/2014/main" xmlns="" val="3360762503"/>
+                    <a16:rowId xmlns="" xmlns:a16="http://schemas.microsoft.com/office/drawing/2014/main" val="3360762503"/>
                   </a:ext>
                 </a:extLst>
               </a:tr>
@@ -10443,7 +10104,7 @@
                 </a:tc>
                 <a:extLst>
                   <a:ext uri="{0D108BD9-81ED-4DB2-BD59-A6C34878D82A}">
-                    <a16:rowId xmlns:a16="http://schemas.microsoft.com/office/drawing/2014/main" xmlns="" val="1136251517"/>
+                    <a16:rowId xmlns="" xmlns:a16="http://schemas.microsoft.com/office/drawing/2014/main" val="1136251517"/>
                   </a:ext>
                 </a:extLst>
               </a:tr>
@@ -10490,7 +10151,7 @@
                 </a:tc>
                 <a:extLst>
                   <a:ext uri="{0D108BD9-81ED-4DB2-BD59-A6C34878D82A}">
-                    <a16:rowId xmlns:a16="http://schemas.microsoft.com/office/drawing/2014/main" xmlns="" val="3235777950"/>
+                    <a16:rowId xmlns="" xmlns:a16="http://schemas.microsoft.com/office/drawing/2014/main" val="3235777950"/>
                   </a:ext>
                 </a:extLst>
               </a:tr>
@@ -10530,7 +10191,7 @@
                 </a:tc>
                 <a:extLst>
                   <a:ext uri="{0D108BD9-81ED-4DB2-BD59-A6C34878D82A}">
-                    <a16:rowId xmlns:a16="http://schemas.microsoft.com/office/drawing/2014/main" xmlns="" val="72541518"/>
+                    <a16:rowId xmlns="" xmlns:a16="http://schemas.microsoft.com/office/drawing/2014/main" val="72541518"/>
                   </a:ext>
                 </a:extLst>
               </a:tr>
@@ -10570,7 +10231,7 @@
                 </a:tc>
                 <a:extLst>
                   <a:ext uri="{0D108BD9-81ED-4DB2-BD59-A6C34878D82A}">
-                    <a16:rowId xmlns:a16="http://schemas.microsoft.com/office/drawing/2014/main" xmlns="" val="472760982"/>
+                    <a16:rowId xmlns="" xmlns:a16="http://schemas.microsoft.com/office/drawing/2014/main" val="472760982"/>
                   </a:ext>
                 </a:extLst>
               </a:tr>
@@ -10610,7 +10271,7 @@
                 </a:tc>
                 <a:extLst>
                   <a:ext uri="{0D108BD9-81ED-4DB2-BD59-A6C34878D82A}">
-                    <a16:rowId xmlns:a16="http://schemas.microsoft.com/office/drawing/2014/main" xmlns="" val="2292001419"/>
+                    <a16:rowId xmlns="" xmlns:a16="http://schemas.microsoft.com/office/drawing/2014/main" val="2292001419"/>
                   </a:ext>
                 </a:extLst>
               </a:tr>
@@ -10650,7 +10311,7 @@
                 </a:tc>
                 <a:extLst>
                   <a:ext uri="{0D108BD9-81ED-4DB2-BD59-A6C34878D82A}">
-                    <a16:rowId xmlns:a16="http://schemas.microsoft.com/office/drawing/2014/main" xmlns="" val="3224181129"/>
+                    <a16:rowId xmlns="" xmlns:a16="http://schemas.microsoft.com/office/drawing/2014/main" val="3224181129"/>
                   </a:ext>
                 </a:extLst>
               </a:tr>
@@ -10663,7 +10324,7 @@
           <p:cNvPr id="2" name="TextBox 12">
             <a:extLst>
               <a:ext uri="{FF2B5EF4-FFF2-40B4-BE49-F238E27FC236}">
-                <a16:creationId xmlns:a16="http://schemas.microsoft.com/office/drawing/2014/main" xmlns="" id="{F778CD3C-0C66-297D-DBAF-BE99C802DD9D}"/>
+                <a16:creationId xmlns="" xmlns:a16="http://schemas.microsoft.com/office/drawing/2014/main" id="{F778CD3C-0C66-297D-DBAF-BE99C802DD9D}"/>
               </a:ext>
             </a:extLst>
           </p:cNvPr>
@@ -10714,7 +10375,7 @@
           <p:cNvPr id="5" name="Slide Number Placeholder 4">
             <a:extLst>
               <a:ext uri="{FF2B5EF4-FFF2-40B4-BE49-F238E27FC236}">
-                <a16:creationId xmlns:a16="http://schemas.microsoft.com/office/drawing/2014/main" xmlns="" id="{8FACCB9C-6E92-F2DD-E324-C5EF48ECDAF5}"/>
+                <a16:creationId xmlns="" xmlns:a16="http://schemas.microsoft.com/office/drawing/2014/main" id="{8FACCB9C-6E92-F2DD-E324-C5EF48ECDAF5}"/>
               </a:ext>
             </a:extLst>
           </p:cNvPr>
@@ -11324,7 +10985,7 @@
   <a:extraClrSchemeLst/>
   <a:extLst>
     <a:ext uri="{05A4C25C-085E-4340-85A3-A5531E510DB2}">
-      <thm15:themeFamily xmlns:thm15="http://schemas.microsoft.com/office/thememl/2012/main" xmlns="" name="Office Theme 2013 - 2022" id="{62F939B6-93AF-4DB8-9C6B-D6C7DFDC589F}" vid="{4A3C46E8-61CC-4603-A589-7422A47A8E4A}"/>
+      <thm15:themeFamily xmlns="" xmlns:thm15="http://schemas.microsoft.com/office/thememl/2012/main" name="Office Theme 2013 - 2022" id="{62F939B6-93AF-4DB8-9C6B-D6C7DFDC589F}" vid="{4A3C46E8-61CC-4603-A589-7422A47A8E4A}"/>
     </a:ext>
   </a:extLst>
 </a:theme>
